--- a/Python.pptx
+++ b/Python.pptx
@@ -116,6 +116,11 @@
       </a:defRPr>
     </a:lvl9pPr>
   </p:defaultTextStyle>
+  <p:extLst>
+    <p:ext uri="{EFAFB233-063F-42B5-8137-9DF3F51BA10A}">
+      <p15:sldGuideLst xmlns:p15="http://schemas.microsoft.com/office/powerpoint/2012/main"/>
+    </p:ext>
+  </p:extLst>
 </p:presentation>
 </file>
 
@@ -15880,7 +15885,7 @@
               <a:buChar char="•"/>
             </a:pPr>
             <a:r>
-              <a:rPr lang="en-US" sz="2200" b="0" strike="noStrike" spc="-1">
+              <a:rPr lang="en-US" sz="2200" b="0" strike="noStrike" spc="-1" dirty="0">
                 <a:solidFill>
                   <a:srgbClr val="FFFFFF"/>
                 </a:solidFill>
@@ -15896,100 +15901,1738 @@
           </a:p>
           <a:p>
             <a:r>
-              <a:rPr lang="en-US" sz="2000" b="0" strike="noStrike" spc="-1">
-                <a:solidFill>
-                  <a:srgbClr val="FFFFFF"/>
-                </a:solidFill>
-                <a:uFill>
-                  <a:solidFill>
-                    <a:srgbClr val="FFFFFF"/>
-                  </a:solidFill>
-                </a:uFill>
-                <a:latin typeface="Century Gothic"/>
-              </a:rPr>
-              <a:t>Tout l'enjeu de la recherche basée sur ce jeu de données est de tenter de prouver qu'il est possible de déterminer grâce au machine learning quelle méthode heuristique est la plus appropriée à un problème de logique de premier ordre.</a:t>
-            </a:r>
-            <a:endParaRPr lang="en-US" sz="2200" b="0" strike="noStrike" spc="-1">
-              <a:solidFill>
-                <a:srgbClr val="FFFFFF"/>
-              </a:solidFill>
-              <a:uFill>
-                <a:solidFill>
-                  <a:srgbClr val="FFFFFF"/>
-                </a:solidFill>
-              </a:uFill>
-              <a:latin typeface="Century Gothic"/>
-            </a:endParaRPr>
-          </a:p>
-          <a:p>
-            <a:endParaRPr lang="en-US" sz="2200" b="0" strike="noStrike" spc="-1">
-              <a:solidFill>
-                <a:srgbClr val="FFFFFF"/>
-              </a:solidFill>
-              <a:uFill>
-                <a:solidFill>
-                  <a:srgbClr val="FFFFFF"/>
-                </a:solidFill>
-              </a:uFill>
-              <a:latin typeface="Century Gothic"/>
-            </a:endParaRPr>
-          </a:p>
-          <a:p>
-            <a:r>
-              <a:rPr lang="en-US" sz="2000" b="0" strike="noStrike" spc="-1">
-                <a:solidFill>
-                  <a:srgbClr val="FFFFFF"/>
-                </a:solidFill>
-                <a:uFill>
-                  <a:solidFill>
-                    <a:srgbClr val="FFFFFF"/>
-                  </a:solidFill>
-                </a:uFill>
-                <a:latin typeface="Century Gothic"/>
-              </a:rPr>
-              <a:t>Dans le cadre de ce sujet, des chercheurs se sont penchés sur 5 méthodes heuristique qu'on nome H1 à H5 (plus une témoin dont on attribue le nom H0).</a:t>
-            </a:r>
-            <a:endParaRPr lang="en-US" sz="2200" b="0" strike="noStrike" spc="-1">
-              <a:solidFill>
-                <a:srgbClr val="FFFFFF"/>
-              </a:solidFill>
-              <a:uFill>
-                <a:solidFill>
-                  <a:srgbClr val="FFFFFF"/>
-                </a:solidFill>
-              </a:uFill>
-              <a:latin typeface="Century Gothic"/>
-            </a:endParaRPr>
-          </a:p>
-          <a:p>
-            <a:endParaRPr lang="en-US" sz="2200" b="0" strike="noStrike" spc="-1">
-              <a:solidFill>
-                <a:srgbClr val="FFFFFF"/>
-              </a:solidFill>
-              <a:uFill>
-                <a:solidFill>
-                  <a:srgbClr val="FFFFFF"/>
-                </a:solidFill>
-              </a:uFill>
-              <a:latin typeface="Century Gothic"/>
-            </a:endParaRPr>
-          </a:p>
-          <a:p>
-            <a:r>
-              <a:rPr lang="en-US" sz="2000" b="0" strike="noStrike" spc="-1">
-                <a:solidFill>
-                  <a:srgbClr val="FFFFFF"/>
-                </a:solidFill>
-                <a:uFill>
-                  <a:solidFill>
-                    <a:srgbClr val="FFFFFF"/>
-                  </a:solidFill>
-                </a:uFill>
-                <a:latin typeface="Century Gothic"/>
-              </a:rPr>
-              <a:t>Afin de tester l'efficacité de ces techniques, un grand nombre de données de différents problèmes ont été récupérées de la librairie TPTP (thousands of Problem for Theorem Provers). A chaque problème, on va chercher à déterminer non seulement si un heuristique peut le résoudre rapidement mais également lequelle serait le plus efficace.</a:t>
-            </a:r>
-            <a:endParaRPr lang="en-US" sz="2200" b="0" strike="noStrike" spc="-1">
+              <a:rPr lang="en-US" sz="2000" b="0" strike="noStrike" spc="-1" dirty="0">
+                <a:solidFill>
+                  <a:srgbClr val="FFFFFF"/>
+                </a:solidFill>
+                <a:uFill>
+                  <a:solidFill>
+                    <a:srgbClr val="FFFFFF"/>
+                  </a:solidFill>
+                </a:uFill>
+                <a:latin typeface="Century Gothic"/>
+              </a:rPr>
+              <a:t>Tout </a:t>
+            </a:r>
+            <a:r>
+              <a:rPr lang="en-US" sz="2000" b="0" strike="noStrike" spc="-1" dirty="0" err="1">
+                <a:solidFill>
+                  <a:srgbClr val="FFFFFF"/>
+                </a:solidFill>
+                <a:uFill>
+                  <a:solidFill>
+                    <a:srgbClr val="FFFFFF"/>
+                  </a:solidFill>
+                </a:uFill>
+                <a:latin typeface="Century Gothic"/>
+              </a:rPr>
+              <a:t>l'enjeu</a:t>
+            </a:r>
+            <a:r>
+              <a:rPr lang="en-US" sz="2000" b="0" strike="noStrike" spc="-1" dirty="0">
+                <a:solidFill>
+                  <a:srgbClr val="FFFFFF"/>
+                </a:solidFill>
+                <a:uFill>
+                  <a:solidFill>
+                    <a:srgbClr val="FFFFFF"/>
+                  </a:solidFill>
+                </a:uFill>
+                <a:latin typeface="Century Gothic"/>
+              </a:rPr>
+              <a:t> de la recherche </a:t>
+            </a:r>
+            <a:r>
+              <a:rPr lang="en-US" sz="2000" b="0" strike="noStrike" spc="-1" dirty="0" err="1">
+                <a:solidFill>
+                  <a:srgbClr val="FFFFFF"/>
+                </a:solidFill>
+                <a:uFill>
+                  <a:solidFill>
+                    <a:srgbClr val="FFFFFF"/>
+                  </a:solidFill>
+                </a:uFill>
+                <a:latin typeface="Century Gothic"/>
+              </a:rPr>
+              <a:t>basée</a:t>
+            </a:r>
+            <a:r>
+              <a:rPr lang="en-US" sz="2000" b="0" strike="noStrike" spc="-1" dirty="0">
+                <a:solidFill>
+                  <a:srgbClr val="FFFFFF"/>
+                </a:solidFill>
+                <a:uFill>
+                  <a:solidFill>
+                    <a:srgbClr val="FFFFFF"/>
+                  </a:solidFill>
+                </a:uFill>
+                <a:latin typeface="Century Gothic"/>
+              </a:rPr>
+              <a:t> sur </a:t>
+            </a:r>
+            <a:r>
+              <a:rPr lang="en-US" sz="2000" b="0" strike="noStrike" spc="-1" dirty="0" err="1">
+                <a:solidFill>
+                  <a:srgbClr val="FFFFFF"/>
+                </a:solidFill>
+                <a:uFill>
+                  <a:solidFill>
+                    <a:srgbClr val="FFFFFF"/>
+                  </a:solidFill>
+                </a:uFill>
+                <a:latin typeface="Century Gothic"/>
+              </a:rPr>
+              <a:t>ce</a:t>
+            </a:r>
+            <a:r>
+              <a:rPr lang="en-US" sz="2000" b="0" strike="noStrike" spc="-1" dirty="0">
+                <a:solidFill>
+                  <a:srgbClr val="FFFFFF"/>
+                </a:solidFill>
+                <a:uFill>
+                  <a:solidFill>
+                    <a:srgbClr val="FFFFFF"/>
+                  </a:solidFill>
+                </a:uFill>
+                <a:latin typeface="Century Gothic"/>
+              </a:rPr>
+              <a:t> </a:t>
+            </a:r>
+            <a:r>
+              <a:rPr lang="en-US" sz="2000" b="0" strike="noStrike" spc="-1" dirty="0" err="1">
+                <a:solidFill>
+                  <a:srgbClr val="FFFFFF"/>
+                </a:solidFill>
+                <a:uFill>
+                  <a:solidFill>
+                    <a:srgbClr val="FFFFFF"/>
+                  </a:solidFill>
+                </a:uFill>
+                <a:latin typeface="Century Gothic"/>
+              </a:rPr>
+              <a:t>jeu</a:t>
+            </a:r>
+            <a:r>
+              <a:rPr lang="en-US" sz="2000" b="0" strike="noStrike" spc="-1" dirty="0">
+                <a:solidFill>
+                  <a:srgbClr val="FFFFFF"/>
+                </a:solidFill>
+                <a:uFill>
+                  <a:solidFill>
+                    <a:srgbClr val="FFFFFF"/>
+                  </a:solidFill>
+                </a:uFill>
+                <a:latin typeface="Century Gothic"/>
+              </a:rPr>
+              <a:t> de </a:t>
+            </a:r>
+            <a:r>
+              <a:rPr lang="en-US" sz="2000" b="0" strike="noStrike" spc="-1" dirty="0" err="1">
+                <a:solidFill>
+                  <a:srgbClr val="FFFFFF"/>
+                </a:solidFill>
+                <a:uFill>
+                  <a:solidFill>
+                    <a:srgbClr val="FFFFFF"/>
+                  </a:solidFill>
+                </a:uFill>
+                <a:latin typeface="Century Gothic"/>
+              </a:rPr>
+              <a:t>données</a:t>
+            </a:r>
+            <a:r>
+              <a:rPr lang="en-US" sz="2000" b="0" strike="noStrike" spc="-1" dirty="0">
+                <a:solidFill>
+                  <a:srgbClr val="FFFFFF"/>
+                </a:solidFill>
+                <a:uFill>
+                  <a:solidFill>
+                    <a:srgbClr val="FFFFFF"/>
+                  </a:solidFill>
+                </a:uFill>
+                <a:latin typeface="Century Gothic"/>
+              </a:rPr>
+              <a:t> </a:t>
+            </a:r>
+            <a:r>
+              <a:rPr lang="en-US" sz="2000" b="0" strike="noStrike" spc="-1" dirty="0" err="1">
+                <a:solidFill>
+                  <a:srgbClr val="FFFFFF"/>
+                </a:solidFill>
+                <a:uFill>
+                  <a:solidFill>
+                    <a:srgbClr val="FFFFFF"/>
+                  </a:solidFill>
+                </a:uFill>
+                <a:latin typeface="Century Gothic"/>
+              </a:rPr>
+              <a:t>est</a:t>
+            </a:r>
+            <a:r>
+              <a:rPr lang="en-US" sz="2000" b="0" strike="noStrike" spc="-1" dirty="0">
+                <a:solidFill>
+                  <a:srgbClr val="FFFFFF"/>
+                </a:solidFill>
+                <a:uFill>
+                  <a:solidFill>
+                    <a:srgbClr val="FFFFFF"/>
+                  </a:solidFill>
+                </a:uFill>
+                <a:latin typeface="Century Gothic"/>
+              </a:rPr>
+              <a:t> de </a:t>
+            </a:r>
+            <a:r>
+              <a:rPr lang="en-US" sz="2000" b="0" strike="noStrike" spc="-1" dirty="0" err="1">
+                <a:solidFill>
+                  <a:srgbClr val="FFFFFF"/>
+                </a:solidFill>
+                <a:uFill>
+                  <a:solidFill>
+                    <a:srgbClr val="FFFFFF"/>
+                  </a:solidFill>
+                </a:uFill>
+                <a:latin typeface="Century Gothic"/>
+              </a:rPr>
+              <a:t>tenter</a:t>
+            </a:r>
+            <a:r>
+              <a:rPr lang="en-US" sz="2000" b="0" strike="noStrike" spc="-1" dirty="0">
+                <a:solidFill>
+                  <a:srgbClr val="FFFFFF"/>
+                </a:solidFill>
+                <a:uFill>
+                  <a:solidFill>
+                    <a:srgbClr val="FFFFFF"/>
+                  </a:solidFill>
+                </a:uFill>
+                <a:latin typeface="Century Gothic"/>
+              </a:rPr>
+              <a:t> de </a:t>
+            </a:r>
+            <a:r>
+              <a:rPr lang="en-US" sz="2000" b="0" strike="noStrike" spc="-1" dirty="0" err="1">
+                <a:solidFill>
+                  <a:srgbClr val="FFFFFF"/>
+                </a:solidFill>
+                <a:uFill>
+                  <a:solidFill>
+                    <a:srgbClr val="FFFFFF"/>
+                  </a:solidFill>
+                </a:uFill>
+                <a:latin typeface="Century Gothic"/>
+              </a:rPr>
+              <a:t>prouver</a:t>
+            </a:r>
+            <a:r>
+              <a:rPr lang="en-US" sz="2000" b="0" strike="noStrike" spc="-1" dirty="0">
+                <a:solidFill>
+                  <a:srgbClr val="FFFFFF"/>
+                </a:solidFill>
+                <a:uFill>
+                  <a:solidFill>
+                    <a:srgbClr val="FFFFFF"/>
+                  </a:solidFill>
+                </a:uFill>
+                <a:latin typeface="Century Gothic"/>
+              </a:rPr>
+              <a:t> </a:t>
+            </a:r>
+            <a:r>
+              <a:rPr lang="en-US" sz="2000" b="0" strike="noStrike" spc="-1" dirty="0" err="1">
+                <a:solidFill>
+                  <a:srgbClr val="FFFFFF"/>
+                </a:solidFill>
+                <a:uFill>
+                  <a:solidFill>
+                    <a:srgbClr val="FFFFFF"/>
+                  </a:solidFill>
+                </a:uFill>
+                <a:latin typeface="Century Gothic"/>
+              </a:rPr>
+              <a:t>qu'il</a:t>
+            </a:r>
+            <a:r>
+              <a:rPr lang="en-US" sz="2000" b="0" strike="noStrike" spc="-1" dirty="0">
+                <a:solidFill>
+                  <a:srgbClr val="FFFFFF"/>
+                </a:solidFill>
+                <a:uFill>
+                  <a:solidFill>
+                    <a:srgbClr val="FFFFFF"/>
+                  </a:solidFill>
+                </a:uFill>
+                <a:latin typeface="Century Gothic"/>
+              </a:rPr>
+              <a:t> </a:t>
+            </a:r>
+            <a:r>
+              <a:rPr lang="en-US" sz="2000" b="0" strike="noStrike" spc="-1" dirty="0" err="1">
+                <a:solidFill>
+                  <a:srgbClr val="FFFFFF"/>
+                </a:solidFill>
+                <a:uFill>
+                  <a:solidFill>
+                    <a:srgbClr val="FFFFFF"/>
+                  </a:solidFill>
+                </a:uFill>
+                <a:latin typeface="Century Gothic"/>
+              </a:rPr>
+              <a:t>est</a:t>
+            </a:r>
+            <a:r>
+              <a:rPr lang="en-US" sz="2000" b="0" strike="noStrike" spc="-1" dirty="0">
+                <a:solidFill>
+                  <a:srgbClr val="FFFFFF"/>
+                </a:solidFill>
+                <a:uFill>
+                  <a:solidFill>
+                    <a:srgbClr val="FFFFFF"/>
+                  </a:solidFill>
+                </a:uFill>
+                <a:latin typeface="Century Gothic"/>
+              </a:rPr>
+              <a:t> possible de </a:t>
+            </a:r>
+            <a:r>
+              <a:rPr lang="en-US" sz="2000" b="0" strike="noStrike" spc="-1" dirty="0" err="1">
+                <a:solidFill>
+                  <a:srgbClr val="FFFFFF"/>
+                </a:solidFill>
+                <a:uFill>
+                  <a:solidFill>
+                    <a:srgbClr val="FFFFFF"/>
+                  </a:solidFill>
+                </a:uFill>
+                <a:latin typeface="Century Gothic"/>
+              </a:rPr>
+              <a:t>déterminer</a:t>
+            </a:r>
+            <a:r>
+              <a:rPr lang="en-US" sz="2000" b="0" strike="noStrike" spc="-1" dirty="0">
+                <a:solidFill>
+                  <a:srgbClr val="FFFFFF"/>
+                </a:solidFill>
+                <a:uFill>
+                  <a:solidFill>
+                    <a:srgbClr val="FFFFFF"/>
+                  </a:solidFill>
+                </a:uFill>
+                <a:latin typeface="Century Gothic"/>
+              </a:rPr>
+              <a:t> grâce au machine learning quelle </a:t>
+            </a:r>
+            <a:r>
+              <a:rPr lang="en-US" sz="2000" b="0" strike="noStrike" spc="-1" dirty="0" err="1">
+                <a:solidFill>
+                  <a:srgbClr val="FFFFFF"/>
+                </a:solidFill>
+                <a:uFill>
+                  <a:solidFill>
+                    <a:srgbClr val="FFFFFF"/>
+                  </a:solidFill>
+                </a:uFill>
+                <a:latin typeface="Century Gothic"/>
+              </a:rPr>
+              <a:t>méthode</a:t>
+            </a:r>
+            <a:r>
+              <a:rPr lang="en-US" sz="2000" b="0" strike="noStrike" spc="-1" dirty="0">
+                <a:solidFill>
+                  <a:srgbClr val="FFFFFF"/>
+                </a:solidFill>
+                <a:uFill>
+                  <a:solidFill>
+                    <a:srgbClr val="FFFFFF"/>
+                  </a:solidFill>
+                </a:uFill>
+                <a:latin typeface="Century Gothic"/>
+              </a:rPr>
+              <a:t> </a:t>
+            </a:r>
+            <a:r>
+              <a:rPr lang="en-US" sz="2000" b="0" strike="noStrike" spc="-1" dirty="0" err="1">
+                <a:solidFill>
+                  <a:srgbClr val="FFFFFF"/>
+                </a:solidFill>
+                <a:uFill>
+                  <a:solidFill>
+                    <a:srgbClr val="FFFFFF"/>
+                  </a:solidFill>
+                </a:uFill>
+                <a:latin typeface="Century Gothic"/>
+              </a:rPr>
+              <a:t>heuristique</a:t>
+            </a:r>
+            <a:r>
+              <a:rPr lang="en-US" sz="2000" b="0" strike="noStrike" spc="-1" dirty="0">
+                <a:solidFill>
+                  <a:srgbClr val="FFFFFF"/>
+                </a:solidFill>
+                <a:uFill>
+                  <a:solidFill>
+                    <a:srgbClr val="FFFFFF"/>
+                  </a:solidFill>
+                </a:uFill>
+                <a:latin typeface="Century Gothic"/>
+              </a:rPr>
+              <a:t> </a:t>
+            </a:r>
+            <a:r>
+              <a:rPr lang="en-US" sz="2000" b="0" strike="noStrike" spc="-1" dirty="0" err="1">
+                <a:solidFill>
+                  <a:srgbClr val="FFFFFF"/>
+                </a:solidFill>
+                <a:uFill>
+                  <a:solidFill>
+                    <a:srgbClr val="FFFFFF"/>
+                  </a:solidFill>
+                </a:uFill>
+                <a:latin typeface="Century Gothic"/>
+              </a:rPr>
+              <a:t>est</a:t>
+            </a:r>
+            <a:r>
+              <a:rPr lang="en-US" sz="2000" b="0" strike="noStrike" spc="-1" dirty="0">
+                <a:solidFill>
+                  <a:srgbClr val="FFFFFF"/>
+                </a:solidFill>
+                <a:uFill>
+                  <a:solidFill>
+                    <a:srgbClr val="FFFFFF"/>
+                  </a:solidFill>
+                </a:uFill>
+                <a:latin typeface="Century Gothic"/>
+              </a:rPr>
+              <a:t> la plus </a:t>
+            </a:r>
+            <a:r>
+              <a:rPr lang="en-US" sz="2000" b="0" strike="noStrike" spc="-1" dirty="0" err="1">
+                <a:solidFill>
+                  <a:srgbClr val="FFFFFF"/>
+                </a:solidFill>
+                <a:uFill>
+                  <a:solidFill>
+                    <a:srgbClr val="FFFFFF"/>
+                  </a:solidFill>
+                </a:uFill>
+                <a:latin typeface="Century Gothic"/>
+              </a:rPr>
+              <a:t>appropriée</a:t>
+            </a:r>
+            <a:r>
+              <a:rPr lang="en-US" sz="2000" b="0" strike="noStrike" spc="-1" dirty="0">
+                <a:solidFill>
+                  <a:srgbClr val="FFFFFF"/>
+                </a:solidFill>
+                <a:uFill>
+                  <a:solidFill>
+                    <a:srgbClr val="FFFFFF"/>
+                  </a:solidFill>
+                </a:uFill>
+                <a:latin typeface="Century Gothic"/>
+              </a:rPr>
+              <a:t> à un </a:t>
+            </a:r>
+            <a:r>
+              <a:rPr lang="en-US" sz="2000" b="0" strike="noStrike" spc="-1" dirty="0" err="1">
+                <a:solidFill>
+                  <a:srgbClr val="FFFFFF"/>
+                </a:solidFill>
+                <a:uFill>
+                  <a:solidFill>
+                    <a:srgbClr val="FFFFFF"/>
+                  </a:solidFill>
+                </a:uFill>
+                <a:latin typeface="Century Gothic"/>
+              </a:rPr>
+              <a:t>problème</a:t>
+            </a:r>
+            <a:r>
+              <a:rPr lang="en-US" sz="2000" b="0" strike="noStrike" spc="-1" dirty="0">
+                <a:solidFill>
+                  <a:srgbClr val="FFFFFF"/>
+                </a:solidFill>
+                <a:uFill>
+                  <a:solidFill>
+                    <a:srgbClr val="FFFFFF"/>
+                  </a:solidFill>
+                </a:uFill>
+                <a:latin typeface="Century Gothic"/>
+              </a:rPr>
+              <a:t> de </a:t>
+            </a:r>
+            <a:r>
+              <a:rPr lang="en-US" sz="2000" b="0" strike="noStrike" spc="-1" dirty="0" err="1">
+                <a:solidFill>
+                  <a:srgbClr val="FFFFFF"/>
+                </a:solidFill>
+                <a:uFill>
+                  <a:solidFill>
+                    <a:srgbClr val="FFFFFF"/>
+                  </a:solidFill>
+                </a:uFill>
+                <a:latin typeface="Century Gothic"/>
+              </a:rPr>
+              <a:t>logique</a:t>
+            </a:r>
+            <a:r>
+              <a:rPr lang="en-US" sz="2000" b="0" strike="noStrike" spc="-1" dirty="0">
+                <a:solidFill>
+                  <a:srgbClr val="FFFFFF"/>
+                </a:solidFill>
+                <a:uFill>
+                  <a:solidFill>
+                    <a:srgbClr val="FFFFFF"/>
+                  </a:solidFill>
+                </a:uFill>
+                <a:latin typeface="Century Gothic"/>
+              </a:rPr>
+              <a:t> de premier </a:t>
+            </a:r>
+            <a:r>
+              <a:rPr lang="en-US" sz="2000" b="0" strike="noStrike" spc="-1" dirty="0" err="1">
+                <a:solidFill>
+                  <a:srgbClr val="FFFFFF"/>
+                </a:solidFill>
+                <a:uFill>
+                  <a:solidFill>
+                    <a:srgbClr val="FFFFFF"/>
+                  </a:solidFill>
+                </a:uFill>
+                <a:latin typeface="Century Gothic"/>
+              </a:rPr>
+              <a:t>ordre</a:t>
+            </a:r>
+            <a:r>
+              <a:rPr lang="en-US" sz="2000" b="0" strike="noStrike" spc="-1" dirty="0">
+                <a:solidFill>
+                  <a:srgbClr val="FFFFFF"/>
+                </a:solidFill>
+                <a:uFill>
+                  <a:solidFill>
+                    <a:srgbClr val="FFFFFF"/>
+                  </a:solidFill>
+                </a:uFill>
+                <a:latin typeface="Century Gothic"/>
+              </a:rPr>
+              <a:t>.</a:t>
+            </a:r>
+            <a:endParaRPr lang="en-US" sz="2200" b="0" strike="noStrike" spc="-1" dirty="0">
+              <a:solidFill>
+                <a:srgbClr val="FFFFFF"/>
+              </a:solidFill>
+              <a:uFill>
+                <a:solidFill>
+                  <a:srgbClr val="FFFFFF"/>
+                </a:solidFill>
+              </a:uFill>
+              <a:latin typeface="Century Gothic"/>
+            </a:endParaRPr>
+          </a:p>
+          <a:p>
+            <a:endParaRPr lang="en-US" sz="2200" b="0" strike="noStrike" spc="-1" dirty="0">
+              <a:solidFill>
+                <a:srgbClr val="FFFFFF"/>
+              </a:solidFill>
+              <a:uFill>
+                <a:solidFill>
+                  <a:srgbClr val="FFFFFF"/>
+                </a:solidFill>
+              </a:uFill>
+              <a:latin typeface="Century Gothic"/>
+            </a:endParaRPr>
+          </a:p>
+          <a:p>
+            <a:r>
+              <a:rPr lang="en-US" sz="2000" b="0" strike="noStrike" spc="-1" dirty="0">
+                <a:solidFill>
+                  <a:srgbClr val="FFFFFF"/>
+                </a:solidFill>
+                <a:uFill>
+                  <a:solidFill>
+                    <a:srgbClr val="FFFFFF"/>
+                  </a:solidFill>
+                </a:uFill>
+                <a:latin typeface="Century Gothic"/>
+              </a:rPr>
+              <a:t>Dans le cadre de </a:t>
+            </a:r>
+            <a:r>
+              <a:rPr lang="en-US" sz="2000" b="0" strike="noStrike" spc="-1" dirty="0" err="1">
+                <a:solidFill>
+                  <a:srgbClr val="FFFFFF"/>
+                </a:solidFill>
+                <a:uFill>
+                  <a:solidFill>
+                    <a:srgbClr val="FFFFFF"/>
+                  </a:solidFill>
+                </a:uFill>
+                <a:latin typeface="Century Gothic"/>
+              </a:rPr>
+              <a:t>ce</a:t>
+            </a:r>
+            <a:r>
+              <a:rPr lang="en-US" sz="2000" b="0" strike="noStrike" spc="-1" dirty="0">
+                <a:solidFill>
+                  <a:srgbClr val="FFFFFF"/>
+                </a:solidFill>
+                <a:uFill>
+                  <a:solidFill>
+                    <a:srgbClr val="FFFFFF"/>
+                  </a:solidFill>
+                </a:uFill>
+                <a:latin typeface="Century Gothic"/>
+              </a:rPr>
+              <a:t> </a:t>
+            </a:r>
+            <a:r>
+              <a:rPr lang="en-US" sz="2000" b="0" strike="noStrike" spc="-1" dirty="0" err="1">
+                <a:solidFill>
+                  <a:srgbClr val="FFFFFF"/>
+                </a:solidFill>
+                <a:uFill>
+                  <a:solidFill>
+                    <a:srgbClr val="FFFFFF"/>
+                  </a:solidFill>
+                </a:uFill>
+                <a:latin typeface="Century Gothic"/>
+              </a:rPr>
+              <a:t>sujet</a:t>
+            </a:r>
+            <a:r>
+              <a:rPr lang="en-US" sz="2000" b="0" strike="noStrike" spc="-1" dirty="0">
+                <a:solidFill>
+                  <a:srgbClr val="FFFFFF"/>
+                </a:solidFill>
+                <a:uFill>
+                  <a:solidFill>
+                    <a:srgbClr val="FFFFFF"/>
+                  </a:solidFill>
+                </a:uFill>
+                <a:latin typeface="Century Gothic"/>
+              </a:rPr>
+              <a:t>, des </a:t>
+            </a:r>
+            <a:r>
+              <a:rPr lang="en-US" sz="2000" b="0" strike="noStrike" spc="-1" dirty="0" err="1">
+                <a:solidFill>
+                  <a:srgbClr val="FFFFFF"/>
+                </a:solidFill>
+                <a:uFill>
+                  <a:solidFill>
+                    <a:srgbClr val="FFFFFF"/>
+                  </a:solidFill>
+                </a:uFill>
+                <a:latin typeface="Century Gothic"/>
+              </a:rPr>
+              <a:t>chercheurs</a:t>
+            </a:r>
+            <a:r>
+              <a:rPr lang="en-US" sz="2000" b="0" strike="noStrike" spc="-1" dirty="0">
+                <a:solidFill>
+                  <a:srgbClr val="FFFFFF"/>
+                </a:solidFill>
+                <a:uFill>
+                  <a:solidFill>
+                    <a:srgbClr val="FFFFFF"/>
+                  </a:solidFill>
+                </a:uFill>
+                <a:latin typeface="Century Gothic"/>
+              </a:rPr>
+              <a:t> se </a:t>
+            </a:r>
+            <a:r>
+              <a:rPr lang="en-US" sz="2000" b="0" strike="noStrike" spc="-1" dirty="0" err="1">
+                <a:solidFill>
+                  <a:srgbClr val="FFFFFF"/>
+                </a:solidFill>
+                <a:uFill>
+                  <a:solidFill>
+                    <a:srgbClr val="FFFFFF"/>
+                  </a:solidFill>
+                </a:uFill>
+                <a:latin typeface="Century Gothic"/>
+              </a:rPr>
+              <a:t>sont</a:t>
+            </a:r>
+            <a:r>
+              <a:rPr lang="en-US" sz="2000" b="0" strike="noStrike" spc="-1" dirty="0">
+                <a:solidFill>
+                  <a:srgbClr val="FFFFFF"/>
+                </a:solidFill>
+                <a:uFill>
+                  <a:solidFill>
+                    <a:srgbClr val="FFFFFF"/>
+                  </a:solidFill>
+                </a:uFill>
+                <a:latin typeface="Century Gothic"/>
+              </a:rPr>
+              <a:t> </a:t>
+            </a:r>
+            <a:r>
+              <a:rPr lang="en-US" sz="2000" b="0" strike="noStrike" spc="-1" dirty="0" err="1">
+                <a:solidFill>
+                  <a:srgbClr val="FFFFFF"/>
+                </a:solidFill>
+                <a:uFill>
+                  <a:solidFill>
+                    <a:srgbClr val="FFFFFF"/>
+                  </a:solidFill>
+                </a:uFill>
+                <a:latin typeface="Century Gothic"/>
+              </a:rPr>
+              <a:t>penchés</a:t>
+            </a:r>
+            <a:r>
+              <a:rPr lang="en-US" sz="2000" b="0" strike="noStrike" spc="-1" dirty="0">
+                <a:solidFill>
+                  <a:srgbClr val="FFFFFF"/>
+                </a:solidFill>
+                <a:uFill>
+                  <a:solidFill>
+                    <a:srgbClr val="FFFFFF"/>
+                  </a:solidFill>
+                </a:uFill>
+                <a:latin typeface="Century Gothic"/>
+              </a:rPr>
+              <a:t> sur 5 </a:t>
+            </a:r>
+            <a:r>
+              <a:rPr lang="en-US" sz="2000" b="0" strike="noStrike" spc="-1" dirty="0" err="1">
+                <a:solidFill>
+                  <a:srgbClr val="FFFFFF"/>
+                </a:solidFill>
+                <a:uFill>
+                  <a:solidFill>
+                    <a:srgbClr val="FFFFFF"/>
+                  </a:solidFill>
+                </a:uFill>
+                <a:latin typeface="Century Gothic"/>
+              </a:rPr>
+              <a:t>méthodes</a:t>
+            </a:r>
+            <a:r>
+              <a:rPr lang="en-US" sz="2000" b="0" strike="noStrike" spc="-1" dirty="0">
+                <a:solidFill>
+                  <a:srgbClr val="FFFFFF"/>
+                </a:solidFill>
+                <a:uFill>
+                  <a:solidFill>
+                    <a:srgbClr val="FFFFFF"/>
+                  </a:solidFill>
+                </a:uFill>
+                <a:latin typeface="Century Gothic"/>
+              </a:rPr>
+              <a:t> </a:t>
+            </a:r>
+            <a:r>
+              <a:rPr lang="en-US" sz="2000" b="0" strike="noStrike" spc="-1" dirty="0" err="1">
+                <a:solidFill>
+                  <a:srgbClr val="FFFFFF"/>
+                </a:solidFill>
+                <a:uFill>
+                  <a:solidFill>
+                    <a:srgbClr val="FFFFFF"/>
+                  </a:solidFill>
+                </a:uFill>
+                <a:latin typeface="Century Gothic"/>
+              </a:rPr>
+              <a:t>heuristique</a:t>
+            </a:r>
+            <a:r>
+              <a:rPr lang="en-US" sz="2000" b="0" strike="noStrike" spc="-1" dirty="0">
+                <a:solidFill>
+                  <a:srgbClr val="FFFFFF"/>
+                </a:solidFill>
+                <a:uFill>
+                  <a:solidFill>
+                    <a:srgbClr val="FFFFFF"/>
+                  </a:solidFill>
+                </a:uFill>
+                <a:latin typeface="Century Gothic"/>
+              </a:rPr>
+              <a:t> </a:t>
+            </a:r>
+            <a:r>
+              <a:rPr lang="en-US" sz="2000" b="0" strike="noStrike" spc="-1" dirty="0" err="1">
+                <a:solidFill>
+                  <a:srgbClr val="FFFFFF"/>
+                </a:solidFill>
+                <a:uFill>
+                  <a:solidFill>
+                    <a:srgbClr val="FFFFFF"/>
+                  </a:solidFill>
+                </a:uFill>
+                <a:latin typeface="Century Gothic"/>
+              </a:rPr>
+              <a:t>qu'on</a:t>
+            </a:r>
+            <a:r>
+              <a:rPr lang="en-US" sz="2000" b="0" strike="noStrike" spc="-1" dirty="0">
+                <a:solidFill>
+                  <a:srgbClr val="FFFFFF"/>
+                </a:solidFill>
+                <a:uFill>
+                  <a:solidFill>
+                    <a:srgbClr val="FFFFFF"/>
+                  </a:solidFill>
+                </a:uFill>
+                <a:latin typeface="Century Gothic"/>
+              </a:rPr>
+              <a:t> </a:t>
+            </a:r>
+            <a:r>
+              <a:rPr lang="en-US" sz="2000" b="0" strike="noStrike" spc="-1" dirty="0" err="1">
+                <a:solidFill>
+                  <a:srgbClr val="FFFFFF"/>
+                </a:solidFill>
+                <a:uFill>
+                  <a:solidFill>
+                    <a:srgbClr val="FFFFFF"/>
+                  </a:solidFill>
+                </a:uFill>
+                <a:latin typeface="Century Gothic"/>
+              </a:rPr>
+              <a:t>nome</a:t>
+            </a:r>
+            <a:r>
+              <a:rPr lang="en-US" sz="2000" b="0" strike="noStrike" spc="-1" dirty="0">
+                <a:solidFill>
+                  <a:srgbClr val="FFFFFF"/>
+                </a:solidFill>
+                <a:uFill>
+                  <a:solidFill>
+                    <a:srgbClr val="FFFFFF"/>
+                  </a:solidFill>
+                </a:uFill>
+                <a:latin typeface="Century Gothic"/>
+              </a:rPr>
+              <a:t> H1 à H5 (plus </a:t>
+            </a:r>
+            <a:r>
+              <a:rPr lang="en-US" sz="2000" b="0" strike="noStrike" spc="-1" dirty="0" err="1">
+                <a:solidFill>
+                  <a:srgbClr val="FFFFFF"/>
+                </a:solidFill>
+                <a:uFill>
+                  <a:solidFill>
+                    <a:srgbClr val="FFFFFF"/>
+                  </a:solidFill>
+                </a:uFill>
+                <a:latin typeface="Century Gothic"/>
+              </a:rPr>
+              <a:t>une</a:t>
+            </a:r>
+            <a:r>
+              <a:rPr lang="en-US" sz="2000" b="0" strike="noStrike" spc="-1" dirty="0">
+                <a:solidFill>
+                  <a:srgbClr val="FFFFFF"/>
+                </a:solidFill>
+                <a:uFill>
+                  <a:solidFill>
+                    <a:srgbClr val="FFFFFF"/>
+                  </a:solidFill>
+                </a:uFill>
+                <a:latin typeface="Century Gothic"/>
+              </a:rPr>
+              <a:t> </a:t>
+            </a:r>
+            <a:r>
+              <a:rPr lang="en-US" sz="2000" b="0" strike="noStrike" spc="-1" dirty="0" err="1">
+                <a:solidFill>
+                  <a:srgbClr val="FFFFFF"/>
+                </a:solidFill>
+                <a:uFill>
+                  <a:solidFill>
+                    <a:srgbClr val="FFFFFF"/>
+                  </a:solidFill>
+                </a:uFill>
+                <a:latin typeface="Century Gothic"/>
+              </a:rPr>
+              <a:t>témoin</a:t>
+            </a:r>
+            <a:r>
+              <a:rPr lang="en-US" sz="2000" b="0" strike="noStrike" spc="-1" dirty="0">
+                <a:solidFill>
+                  <a:srgbClr val="FFFFFF"/>
+                </a:solidFill>
+                <a:uFill>
+                  <a:solidFill>
+                    <a:srgbClr val="FFFFFF"/>
+                  </a:solidFill>
+                </a:uFill>
+                <a:latin typeface="Century Gothic"/>
+              </a:rPr>
+              <a:t> </a:t>
+            </a:r>
+            <a:r>
+              <a:rPr lang="en-US" sz="2000" b="0" strike="noStrike" spc="-1" dirty="0" err="1">
+                <a:solidFill>
+                  <a:srgbClr val="FFFFFF"/>
+                </a:solidFill>
+                <a:uFill>
+                  <a:solidFill>
+                    <a:srgbClr val="FFFFFF"/>
+                  </a:solidFill>
+                </a:uFill>
+                <a:latin typeface="Century Gothic"/>
+              </a:rPr>
+              <a:t>dont</a:t>
+            </a:r>
+            <a:r>
+              <a:rPr lang="en-US" sz="2000" b="0" strike="noStrike" spc="-1" dirty="0">
+                <a:solidFill>
+                  <a:srgbClr val="FFFFFF"/>
+                </a:solidFill>
+                <a:uFill>
+                  <a:solidFill>
+                    <a:srgbClr val="FFFFFF"/>
+                  </a:solidFill>
+                </a:uFill>
+                <a:latin typeface="Century Gothic"/>
+              </a:rPr>
+              <a:t> on </a:t>
+            </a:r>
+            <a:r>
+              <a:rPr lang="en-US" sz="2000" b="0" strike="noStrike" spc="-1" dirty="0" err="1">
+                <a:solidFill>
+                  <a:srgbClr val="FFFFFF"/>
+                </a:solidFill>
+                <a:uFill>
+                  <a:solidFill>
+                    <a:srgbClr val="FFFFFF"/>
+                  </a:solidFill>
+                </a:uFill>
+                <a:latin typeface="Century Gothic"/>
+              </a:rPr>
+              <a:t>attribue</a:t>
+            </a:r>
+            <a:r>
+              <a:rPr lang="en-US" sz="2000" b="0" strike="noStrike" spc="-1" dirty="0">
+                <a:solidFill>
+                  <a:srgbClr val="FFFFFF"/>
+                </a:solidFill>
+                <a:uFill>
+                  <a:solidFill>
+                    <a:srgbClr val="FFFFFF"/>
+                  </a:solidFill>
+                </a:uFill>
+                <a:latin typeface="Century Gothic"/>
+              </a:rPr>
+              <a:t> le nom H0).</a:t>
+            </a:r>
+            <a:endParaRPr lang="en-US" sz="2200" b="0" strike="noStrike" spc="-1" dirty="0">
+              <a:solidFill>
+                <a:srgbClr val="FFFFFF"/>
+              </a:solidFill>
+              <a:uFill>
+                <a:solidFill>
+                  <a:srgbClr val="FFFFFF"/>
+                </a:solidFill>
+              </a:uFill>
+              <a:latin typeface="Century Gothic"/>
+            </a:endParaRPr>
+          </a:p>
+          <a:p>
+            <a:endParaRPr lang="en-US" sz="2200" b="0" strike="noStrike" spc="-1" dirty="0">
+              <a:solidFill>
+                <a:srgbClr val="FFFFFF"/>
+              </a:solidFill>
+              <a:uFill>
+                <a:solidFill>
+                  <a:srgbClr val="FFFFFF"/>
+                </a:solidFill>
+              </a:uFill>
+              <a:latin typeface="Century Gothic"/>
+            </a:endParaRPr>
+          </a:p>
+          <a:p>
+            <a:r>
+              <a:rPr lang="en-US" sz="2000" b="0" strike="noStrike" spc="-1" dirty="0" err="1">
+                <a:solidFill>
+                  <a:srgbClr val="FFFFFF"/>
+                </a:solidFill>
+                <a:uFill>
+                  <a:solidFill>
+                    <a:srgbClr val="FFFFFF"/>
+                  </a:solidFill>
+                </a:uFill>
+                <a:latin typeface="Century Gothic"/>
+              </a:rPr>
+              <a:t>Afin</a:t>
+            </a:r>
+            <a:r>
+              <a:rPr lang="en-US" sz="2000" b="0" strike="noStrike" spc="-1" dirty="0">
+                <a:solidFill>
+                  <a:srgbClr val="FFFFFF"/>
+                </a:solidFill>
+                <a:uFill>
+                  <a:solidFill>
+                    <a:srgbClr val="FFFFFF"/>
+                  </a:solidFill>
+                </a:uFill>
+                <a:latin typeface="Century Gothic"/>
+              </a:rPr>
+              <a:t> de tester </a:t>
+            </a:r>
+            <a:r>
+              <a:rPr lang="en-US" sz="2000" b="0" strike="noStrike" spc="-1" dirty="0" err="1">
+                <a:solidFill>
+                  <a:srgbClr val="FFFFFF"/>
+                </a:solidFill>
+                <a:uFill>
+                  <a:solidFill>
+                    <a:srgbClr val="FFFFFF"/>
+                  </a:solidFill>
+                </a:uFill>
+                <a:latin typeface="Century Gothic"/>
+              </a:rPr>
+              <a:t>l'efficacité</a:t>
+            </a:r>
+            <a:r>
+              <a:rPr lang="en-US" sz="2000" b="0" strike="noStrike" spc="-1" dirty="0">
+                <a:solidFill>
+                  <a:srgbClr val="FFFFFF"/>
+                </a:solidFill>
+                <a:uFill>
+                  <a:solidFill>
+                    <a:srgbClr val="FFFFFF"/>
+                  </a:solidFill>
+                </a:uFill>
+                <a:latin typeface="Century Gothic"/>
+              </a:rPr>
+              <a:t> de </a:t>
+            </a:r>
+            <a:r>
+              <a:rPr lang="en-US" sz="2000" b="0" strike="noStrike" spc="-1" dirty="0" err="1">
+                <a:solidFill>
+                  <a:srgbClr val="FFFFFF"/>
+                </a:solidFill>
+                <a:uFill>
+                  <a:solidFill>
+                    <a:srgbClr val="FFFFFF"/>
+                  </a:solidFill>
+                </a:uFill>
+                <a:latin typeface="Century Gothic"/>
+              </a:rPr>
+              <a:t>ces</a:t>
+            </a:r>
+            <a:r>
+              <a:rPr lang="en-US" sz="2000" b="0" strike="noStrike" spc="-1" dirty="0">
+                <a:solidFill>
+                  <a:srgbClr val="FFFFFF"/>
+                </a:solidFill>
+                <a:uFill>
+                  <a:solidFill>
+                    <a:srgbClr val="FFFFFF"/>
+                  </a:solidFill>
+                </a:uFill>
+                <a:latin typeface="Century Gothic"/>
+              </a:rPr>
+              <a:t> techniques, un grand </a:t>
+            </a:r>
+            <a:r>
+              <a:rPr lang="en-US" sz="2000" b="0" strike="noStrike" spc="-1" dirty="0" err="1">
+                <a:solidFill>
+                  <a:srgbClr val="FFFFFF"/>
+                </a:solidFill>
+                <a:uFill>
+                  <a:solidFill>
+                    <a:srgbClr val="FFFFFF"/>
+                  </a:solidFill>
+                </a:uFill>
+                <a:latin typeface="Century Gothic"/>
+              </a:rPr>
+              <a:t>nombre</a:t>
+            </a:r>
+            <a:r>
+              <a:rPr lang="en-US" sz="2000" b="0" strike="noStrike" spc="-1" dirty="0">
+                <a:solidFill>
+                  <a:srgbClr val="FFFFFF"/>
+                </a:solidFill>
+                <a:uFill>
+                  <a:solidFill>
+                    <a:srgbClr val="FFFFFF"/>
+                  </a:solidFill>
+                </a:uFill>
+                <a:latin typeface="Century Gothic"/>
+              </a:rPr>
+              <a:t> de </a:t>
+            </a:r>
+            <a:r>
+              <a:rPr lang="en-US" sz="2000" b="0" strike="noStrike" spc="-1" dirty="0" err="1">
+                <a:solidFill>
+                  <a:srgbClr val="FFFFFF"/>
+                </a:solidFill>
+                <a:uFill>
+                  <a:solidFill>
+                    <a:srgbClr val="FFFFFF"/>
+                  </a:solidFill>
+                </a:uFill>
+                <a:latin typeface="Century Gothic"/>
+              </a:rPr>
+              <a:t>données</a:t>
+            </a:r>
+            <a:r>
+              <a:rPr lang="en-US" sz="2000" b="0" strike="noStrike" spc="-1" dirty="0">
+                <a:solidFill>
+                  <a:srgbClr val="FFFFFF"/>
+                </a:solidFill>
+                <a:uFill>
+                  <a:solidFill>
+                    <a:srgbClr val="FFFFFF"/>
+                  </a:solidFill>
+                </a:uFill>
+                <a:latin typeface="Century Gothic"/>
+              </a:rPr>
+              <a:t> de </a:t>
+            </a:r>
+            <a:r>
+              <a:rPr lang="en-US" sz="2000" b="0" strike="noStrike" spc="-1" dirty="0" err="1">
+                <a:solidFill>
+                  <a:srgbClr val="FFFFFF"/>
+                </a:solidFill>
+                <a:uFill>
+                  <a:solidFill>
+                    <a:srgbClr val="FFFFFF"/>
+                  </a:solidFill>
+                </a:uFill>
+                <a:latin typeface="Century Gothic"/>
+              </a:rPr>
+              <a:t>différents</a:t>
+            </a:r>
+            <a:r>
+              <a:rPr lang="en-US" sz="2000" b="0" strike="noStrike" spc="-1" dirty="0">
+                <a:solidFill>
+                  <a:srgbClr val="FFFFFF"/>
+                </a:solidFill>
+                <a:uFill>
+                  <a:solidFill>
+                    <a:srgbClr val="FFFFFF"/>
+                  </a:solidFill>
+                </a:uFill>
+                <a:latin typeface="Century Gothic"/>
+              </a:rPr>
+              <a:t> </a:t>
+            </a:r>
+            <a:r>
+              <a:rPr lang="en-US" sz="2000" b="0" strike="noStrike" spc="-1" dirty="0" err="1">
+                <a:solidFill>
+                  <a:srgbClr val="FFFFFF"/>
+                </a:solidFill>
+                <a:uFill>
+                  <a:solidFill>
+                    <a:srgbClr val="FFFFFF"/>
+                  </a:solidFill>
+                </a:uFill>
+                <a:latin typeface="Century Gothic"/>
+              </a:rPr>
+              <a:t>problèmes</a:t>
+            </a:r>
+            <a:r>
+              <a:rPr lang="en-US" sz="2000" b="0" strike="noStrike" spc="-1" dirty="0">
+                <a:solidFill>
+                  <a:srgbClr val="FFFFFF"/>
+                </a:solidFill>
+                <a:uFill>
+                  <a:solidFill>
+                    <a:srgbClr val="FFFFFF"/>
+                  </a:solidFill>
+                </a:uFill>
+                <a:latin typeface="Century Gothic"/>
+              </a:rPr>
+              <a:t> </a:t>
+            </a:r>
+            <a:r>
+              <a:rPr lang="en-US" sz="2000" b="0" strike="noStrike" spc="-1" dirty="0" err="1">
+                <a:solidFill>
+                  <a:srgbClr val="FFFFFF"/>
+                </a:solidFill>
+                <a:uFill>
+                  <a:solidFill>
+                    <a:srgbClr val="FFFFFF"/>
+                  </a:solidFill>
+                </a:uFill>
+                <a:latin typeface="Century Gothic"/>
+              </a:rPr>
+              <a:t>ont</a:t>
+            </a:r>
+            <a:r>
+              <a:rPr lang="en-US" sz="2000" b="0" strike="noStrike" spc="-1" dirty="0">
+                <a:solidFill>
+                  <a:srgbClr val="FFFFFF"/>
+                </a:solidFill>
+                <a:uFill>
+                  <a:solidFill>
+                    <a:srgbClr val="FFFFFF"/>
+                  </a:solidFill>
+                </a:uFill>
+                <a:latin typeface="Century Gothic"/>
+              </a:rPr>
+              <a:t> </a:t>
+            </a:r>
+            <a:r>
+              <a:rPr lang="en-US" sz="2000" b="0" strike="noStrike" spc="-1" dirty="0" err="1">
+                <a:solidFill>
+                  <a:srgbClr val="FFFFFF"/>
+                </a:solidFill>
+                <a:uFill>
+                  <a:solidFill>
+                    <a:srgbClr val="FFFFFF"/>
+                  </a:solidFill>
+                </a:uFill>
+                <a:latin typeface="Century Gothic"/>
+              </a:rPr>
+              <a:t>été</a:t>
+            </a:r>
+            <a:r>
+              <a:rPr lang="en-US" sz="2000" b="0" strike="noStrike" spc="-1" dirty="0">
+                <a:solidFill>
+                  <a:srgbClr val="FFFFFF"/>
+                </a:solidFill>
+                <a:uFill>
+                  <a:solidFill>
+                    <a:srgbClr val="FFFFFF"/>
+                  </a:solidFill>
+                </a:uFill>
+                <a:latin typeface="Century Gothic"/>
+              </a:rPr>
+              <a:t> </a:t>
+            </a:r>
+            <a:r>
+              <a:rPr lang="en-US" sz="2000" b="0" strike="noStrike" spc="-1" dirty="0" err="1">
+                <a:solidFill>
+                  <a:srgbClr val="FFFFFF"/>
+                </a:solidFill>
+                <a:uFill>
+                  <a:solidFill>
+                    <a:srgbClr val="FFFFFF"/>
+                  </a:solidFill>
+                </a:uFill>
+                <a:latin typeface="Century Gothic"/>
+              </a:rPr>
+              <a:t>récupérées</a:t>
+            </a:r>
+            <a:r>
+              <a:rPr lang="en-US" sz="2000" b="0" strike="noStrike" spc="-1" dirty="0">
+                <a:solidFill>
+                  <a:srgbClr val="FFFFFF"/>
+                </a:solidFill>
+                <a:uFill>
+                  <a:solidFill>
+                    <a:srgbClr val="FFFFFF"/>
+                  </a:solidFill>
+                </a:uFill>
+                <a:latin typeface="Century Gothic"/>
+              </a:rPr>
+              <a:t> de la </a:t>
+            </a:r>
+            <a:r>
+              <a:rPr lang="en-US" sz="2000" b="0" strike="noStrike" spc="-1" dirty="0" err="1">
+                <a:solidFill>
+                  <a:srgbClr val="FFFFFF"/>
+                </a:solidFill>
+                <a:uFill>
+                  <a:solidFill>
+                    <a:srgbClr val="FFFFFF"/>
+                  </a:solidFill>
+                </a:uFill>
+                <a:latin typeface="Century Gothic"/>
+              </a:rPr>
+              <a:t>librairie</a:t>
+            </a:r>
+            <a:r>
+              <a:rPr lang="en-US" sz="2000" b="0" strike="noStrike" spc="-1" dirty="0">
+                <a:solidFill>
+                  <a:srgbClr val="FFFFFF"/>
+                </a:solidFill>
+                <a:uFill>
+                  <a:solidFill>
+                    <a:srgbClr val="FFFFFF"/>
+                  </a:solidFill>
+                </a:uFill>
+                <a:latin typeface="Century Gothic"/>
+              </a:rPr>
+              <a:t> TPTP (thousands of Problem for Theorem Provers). </a:t>
+            </a:r>
+            <a:r>
+              <a:rPr lang="en-US" sz="2000" spc="-1" dirty="0">
+                <a:solidFill>
+                  <a:srgbClr val="FFFFFF"/>
+                </a:solidFill>
+                <a:uFill>
+                  <a:solidFill>
+                    <a:srgbClr val="FFFFFF"/>
+                  </a:solidFill>
+                </a:uFill>
+                <a:latin typeface="Century Gothic"/>
+              </a:rPr>
+              <a:t>Pour</a:t>
+            </a:r>
+            <a:r>
+              <a:rPr lang="en-US" sz="2000" b="0" strike="noStrike" spc="-1" dirty="0">
+                <a:solidFill>
+                  <a:srgbClr val="FFFFFF"/>
+                </a:solidFill>
+                <a:uFill>
+                  <a:solidFill>
+                    <a:srgbClr val="FFFFFF"/>
+                  </a:solidFill>
+                </a:uFill>
+                <a:latin typeface="Century Gothic"/>
+              </a:rPr>
+              <a:t> </a:t>
+            </a:r>
+            <a:r>
+              <a:rPr lang="en-US" sz="2000" b="0" strike="noStrike" spc="-1" dirty="0" err="1">
+                <a:solidFill>
+                  <a:srgbClr val="FFFFFF"/>
+                </a:solidFill>
+                <a:uFill>
+                  <a:solidFill>
+                    <a:srgbClr val="FFFFFF"/>
+                  </a:solidFill>
+                </a:uFill>
+                <a:latin typeface="Century Gothic"/>
+              </a:rPr>
+              <a:t>chaque</a:t>
+            </a:r>
+            <a:r>
+              <a:rPr lang="en-US" sz="2000" b="0" strike="noStrike" spc="-1" dirty="0">
+                <a:solidFill>
+                  <a:srgbClr val="FFFFFF"/>
+                </a:solidFill>
+                <a:uFill>
+                  <a:solidFill>
+                    <a:srgbClr val="FFFFFF"/>
+                  </a:solidFill>
+                </a:uFill>
+                <a:latin typeface="Century Gothic"/>
+              </a:rPr>
+              <a:t> </a:t>
+            </a:r>
+            <a:r>
+              <a:rPr lang="en-US" sz="2000" b="0" strike="noStrike" spc="-1" dirty="0" err="1">
+                <a:solidFill>
+                  <a:srgbClr val="FFFFFF"/>
+                </a:solidFill>
+                <a:uFill>
+                  <a:solidFill>
+                    <a:srgbClr val="FFFFFF"/>
+                  </a:solidFill>
+                </a:uFill>
+                <a:latin typeface="Century Gothic"/>
+              </a:rPr>
+              <a:t>problème</a:t>
+            </a:r>
+            <a:r>
+              <a:rPr lang="en-US" sz="2000" b="0" strike="noStrike" spc="-1" dirty="0">
+                <a:solidFill>
+                  <a:srgbClr val="FFFFFF"/>
+                </a:solidFill>
+                <a:uFill>
+                  <a:solidFill>
+                    <a:srgbClr val="FFFFFF"/>
+                  </a:solidFill>
+                </a:uFill>
+                <a:latin typeface="Century Gothic"/>
+              </a:rPr>
+              <a:t>, on </a:t>
+            </a:r>
+            <a:r>
+              <a:rPr lang="en-US" sz="2000" b="0" strike="noStrike" spc="-1" dirty="0" err="1">
+                <a:solidFill>
+                  <a:srgbClr val="FFFFFF"/>
+                </a:solidFill>
+                <a:uFill>
+                  <a:solidFill>
+                    <a:srgbClr val="FFFFFF"/>
+                  </a:solidFill>
+                </a:uFill>
+                <a:latin typeface="Century Gothic"/>
+              </a:rPr>
+              <a:t>va</a:t>
+            </a:r>
+            <a:r>
+              <a:rPr lang="en-US" sz="2000" b="0" strike="noStrike" spc="-1" dirty="0">
+                <a:solidFill>
+                  <a:srgbClr val="FFFFFF"/>
+                </a:solidFill>
+                <a:uFill>
+                  <a:solidFill>
+                    <a:srgbClr val="FFFFFF"/>
+                  </a:solidFill>
+                </a:uFill>
+                <a:latin typeface="Century Gothic"/>
+              </a:rPr>
+              <a:t> </a:t>
+            </a:r>
+            <a:r>
+              <a:rPr lang="en-US" sz="2000" b="0" strike="noStrike" spc="-1" dirty="0" err="1">
+                <a:solidFill>
+                  <a:srgbClr val="FFFFFF"/>
+                </a:solidFill>
+                <a:uFill>
+                  <a:solidFill>
+                    <a:srgbClr val="FFFFFF"/>
+                  </a:solidFill>
+                </a:uFill>
+                <a:latin typeface="Century Gothic"/>
+              </a:rPr>
+              <a:t>chercher</a:t>
+            </a:r>
+            <a:r>
+              <a:rPr lang="en-US" sz="2000" b="0" strike="noStrike" spc="-1" dirty="0">
+                <a:solidFill>
+                  <a:srgbClr val="FFFFFF"/>
+                </a:solidFill>
+                <a:uFill>
+                  <a:solidFill>
+                    <a:srgbClr val="FFFFFF"/>
+                  </a:solidFill>
+                </a:uFill>
+                <a:latin typeface="Century Gothic"/>
+              </a:rPr>
+              <a:t> à </a:t>
+            </a:r>
+            <a:r>
+              <a:rPr lang="en-US" sz="2000" b="0" strike="noStrike" spc="-1" dirty="0" err="1">
+                <a:solidFill>
+                  <a:srgbClr val="FFFFFF"/>
+                </a:solidFill>
+                <a:uFill>
+                  <a:solidFill>
+                    <a:srgbClr val="FFFFFF"/>
+                  </a:solidFill>
+                </a:uFill>
+                <a:latin typeface="Century Gothic"/>
+              </a:rPr>
+              <a:t>déterminer</a:t>
+            </a:r>
+            <a:r>
+              <a:rPr lang="en-US" sz="2000" b="0" strike="noStrike" spc="-1" dirty="0">
+                <a:solidFill>
+                  <a:srgbClr val="FFFFFF"/>
+                </a:solidFill>
+                <a:uFill>
+                  <a:solidFill>
+                    <a:srgbClr val="FFFFFF"/>
+                  </a:solidFill>
+                </a:uFill>
+                <a:latin typeface="Century Gothic"/>
+              </a:rPr>
+              <a:t> non </a:t>
+            </a:r>
+            <a:r>
+              <a:rPr lang="en-US" sz="2000" b="0" strike="noStrike" spc="-1" dirty="0" err="1">
+                <a:solidFill>
+                  <a:srgbClr val="FFFFFF"/>
+                </a:solidFill>
+                <a:uFill>
+                  <a:solidFill>
+                    <a:srgbClr val="FFFFFF"/>
+                  </a:solidFill>
+                </a:uFill>
+                <a:latin typeface="Century Gothic"/>
+              </a:rPr>
+              <a:t>seulement</a:t>
+            </a:r>
+            <a:r>
+              <a:rPr lang="en-US" sz="2000" b="0" strike="noStrike" spc="-1" dirty="0">
+                <a:solidFill>
+                  <a:srgbClr val="FFFFFF"/>
+                </a:solidFill>
+                <a:uFill>
+                  <a:solidFill>
+                    <a:srgbClr val="FFFFFF"/>
+                  </a:solidFill>
+                </a:uFill>
+                <a:latin typeface="Century Gothic"/>
+              </a:rPr>
+              <a:t> </a:t>
+            </a:r>
+            <a:r>
+              <a:rPr lang="en-US" sz="2000" b="0" strike="noStrike" spc="-1" dirty="0" err="1">
+                <a:solidFill>
+                  <a:srgbClr val="FFFFFF"/>
+                </a:solidFill>
+                <a:uFill>
+                  <a:solidFill>
+                    <a:srgbClr val="FFFFFF"/>
+                  </a:solidFill>
+                </a:uFill>
+                <a:latin typeface="Century Gothic"/>
+              </a:rPr>
+              <a:t>si</a:t>
+            </a:r>
+            <a:r>
+              <a:rPr lang="en-US" sz="2000" b="0" strike="noStrike" spc="-1" dirty="0">
+                <a:solidFill>
+                  <a:srgbClr val="FFFFFF"/>
+                </a:solidFill>
+                <a:uFill>
+                  <a:solidFill>
+                    <a:srgbClr val="FFFFFF"/>
+                  </a:solidFill>
+                </a:uFill>
+                <a:latin typeface="Century Gothic"/>
+              </a:rPr>
+              <a:t> un </a:t>
+            </a:r>
+            <a:r>
+              <a:rPr lang="en-US" sz="2000" b="0" strike="noStrike" spc="-1" dirty="0" err="1">
+                <a:solidFill>
+                  <a:srgbClr val="FFFFFF"/>
+                </a:solidFill>
+                <a:uFill>
+                  <a:solidFill>
+                    <a:srgbClr val="FFFFFF"/>
+                  </a:solidFill>
+                </a:uFill>
+                <a:latin typeface="Century Gothic"/>
+              </a:rPr>
+              <a:t>heuristique</a:t>
+            </a:r>
+            <a:r>
+              <a:rPr lang="en-US" sz="2000" b="0" strike="noStrike" spc="-1" dirty="0">
+                <a:solidFill>
+                  <a:srgbClr val="FFFFFF"/>
+                </a:solidFill>
+                <a:uFill>
+                  <a:solidFill>
+                    <a:srgbClr val="FFFFFF"/>
+                  </a:solidFill>
+                </a:uFill>
+                <a:latin typeface="Century Gothic"/>
+              </a:rPr>
+              <a:t> </a:t>
+            </a:r>
+            <a:r>
+              <a:rPr lang="en-US" sz="2000" b="0" strike="noStrike" spc="-1" dirty="0" err="1">
+                <a:solidFill>
+                  <a:srgbClr val="FFFFFF"/>
+                </a:solidFill>
+                <a:uFill>
+                  <a:solidFill>
+                    <a:srgbClr val="FFFFFF"/>
+                  </a:solidFill>
+                </a:uFill>
+                <a:latin typeface="Century Gothic"/>
+              </a:rPr>
+              <a:t>peut</a:t>
+            </a:r>
+            <a:r>
+              <a:rPr lang="en-US" sz="2000" b="0" strike="noStrike" spc="-1" dirty="0">
+                <a:solidFill>
+                  <a:srgbClr val="FFFFFF"/>
+                </a:solidFill>
+                <a:uFill>
+                  <a:solidFill>
+                    <a:srgbClr val="FFFFFF"/>
+                  </a:solidFill>
+                </a:uFill>
+                <a:latin typeface="Century Gothic"/>
+              </a:rPr>
+              <a:t> le </a:t>
+            </a:r>
+            <a:r>
+              <a:rPr lang="en-US" sz="2000" b="0" strike="noStrike" spc="-1" dirty="0" err="1">
+                <a:solidFill>
+                  <a:srgbClr val="FFFFFF"/>
+                </a:solidFill>
+                <a:uFill>
+                  <a:solidFill>
+                    <a:srgbClr val="FFFFFF"/>
+                  </a:solidFill>
+                </a:uFill>
+                <a:latin typeface="Century Gothic"/>
+              </a:rPr>
+              <a:t>résoudre</a:t>
+            </a:r>
+            <a:r>
+              <a:rPr lang="en-US" sz="2000" b="0" strike="noStrike" spc="-1" dirty="0">
+                <a:solidFill>
+                  <a:srgbClr val="FFFFFF"/>
+                </a:solidFill>
+                <a:uFill>
+                  <a:solidFill>
+                    <a:srgbClr val="FFFFFF"/>
+                  </a:solidFill>
+                </a:uFill>
+                <a:latin typeface="Century Gothic"/>
+              </a:rPr>
+              <a:t> </a:t>
+            </a:r>
+            <a:r>
+              <a:rPr lang="en-US" sz="2000" b="0" strike="noStrike" spc="-1" dirty="0" err="1">
+                <a:solidFill>
+                  <a:srgbClr val="FFFFFF"/>
+                </a:solidFill>
+                <a:uFill>
+                  <a:solidFill>
+                    <a:srgbClr val="FFFFFF"/>
+                  </a:solidFill>
+                </a:uFill>
+                <a:latin typeface="Century Gothic"/>
+              </a:rPr>
+              <a:t>rapidement</a:t>
+            </a:r>
+            <a:r>
+              <a:rPr lang="en-US" sz="2000" b="0" strike="noStrike" spc="-1" dirty="0">
+                <a:solidFill>
+                  <a:srgbClr val="FFFFFF"/>
+                </a:solidFill>
+                <a:uFill>
+                  <a:solidFill>
+                    <a:srgbClr val="FFFFFF"/>
+                  </a:solidFill>
+                </a:uFill>
+                <a:latin typeface="Century Gothic"/>
+              </a:rPr>
+              <a:t> </a:t>
+            </a:r>
+            <a:r>
+              <a:rPr lang="en-US" sz="2000" b="0" strike="noStrike" spc="-1" dirty="0" err="1">
+                <a:solidFill>
+                  <a:srgbClr val="FFFFFF"/>
+                </a:solidFill>
+                <a:uFill>
+                  <a:solidFill>
+                    <a:srgbClr val="FFFFFF"/>
+                  </a:solidFill>
+                </a:uFill>
+                <a:latin typeface="Century Gothic"/>
+              </a:rPr>
+              <a:t>mais</a:t>
+            </a:r>
+            <a:r>
+              <a:rPr lang="en-US" sz="2000" b="0" strike="noStrike" spc="-1" dirty="0">
+                <a:solidFill>
+                  <a:srgbClr val="FFFFFF"/>
+                </a:solidFill>
+                <a:uFill>
+                  <a:solidFill>
+                    <a:srgbClr val="FFFFFF"/>
+                  </a:solidFill>
+                </a:uFill>
+                <a:latin typeface="Century Gothic"/>
+              </a:rPr>
+              <a:t> </a:t>
+            </a:r>
+            <a:r>
+              <a:rPr lang="en-US" sz="2000" b="0" strike="noStrike" spc="-1" dirty="0" err="1">
+                <a:solidFill>
+                  <a:srgbClr val="FFFFFF"/>
+                </a:solidFill>
+                <a:uFill>
+                  <a:solidFill>
+                    <a:srgbClr val="FFFFFF"/>
+                  </a:solidFill>
+                </a:uFill>
+                <a:latin typeface="Century Gothic"/>
+              </a:rPr>
+              <a:t>également</a:t>
+            </a:r>
+            <a:r>
+              <a:rPr lang="en-US" sz="2000" b="0" strike="noStrike" spc="-1" dirty="0">
+                <a:solidFill>
+                  <a:srgbClr val="FFFFFF"/>
+                </a:solidFill>
+                <a:uFill>
+                  <a:solidFill>
+                    <a:srgbClr val="FFFFFF"/>
+                  </a:solidFill>
+                </a:uFill>
+                <a:latin typeface="Century Gothic"/>
+              </a:rPr>
+              <a:t> </a:t>
+            </a:r>
+            <a:r>
+              <a:rPr lang="en-US" sz="2000" b="0" strike="noStrike" spc="-1" dirty="0" err="1">
+                <a:solidFill>
+                  <a:srgbClr val="FFFFFF"/>
+                </a:solidFill>
+                <a:uFill>
+                  <a:solidFill>
+                    <a:srgbClr val="FFFFFF"/>
+                  </a:solidFill>
+                </a:uFill>
+                <a:latin typeface="Century Gothic"/>
+              </a:rPr>
+              <a:t>lequelle</a:t>
+            </a:r>
+            <a:r>
+              <a:rPr lang="en-US" sz="2000" b="0" strike="noStrike" spc="-1" dirty="0">
+                <a:solidFill>
+                  <a:srgbClr val="FFFFFF"/>
+                </a:solidFill>
+                <a:uFill>
+                  <a:solidFill>
+                    <a:srgbClr val="FFFFFF"/>
+                  </a:solidFill>
+                </a:uFill>
+                <a:latin typeface="Century Gothic"/>
+              </a:rPr>
+              <a:t> </a:t>
+            </a:r>
+            <a:r>
+              <a:rPr lang="en-US" sz="2000" b="0" strike="noStrike" spc="-1" dirty="0" err="1">
+                <a:solidFill>
+                  <a:srgbClr val="FFFFFF"/>
+                </a:solidFill>
+                <a:uFill>
+                  <a:solidFill>
+                    <a:srgbClr val="FFFFFF"/>
+                  </a:solidFill>
+                </a:uFill>
+                <a:latin typeface="Century Gothic"/>
+              </a:rPr>
+              <a:t>serait</a:t>
+            </a:r>
+            <a:r>
+              <a:rPr lang="en-US" sz="2000" b="0" strike="noStrike" spc="-1" dirty="0">
+                <a:solidFill>
+                  <a:srgbClr val="FFFFFF"/>
+                </a:solidFill>
+                <a:uFill>
+                  <a:solidFill>
+                    <a:srgbClr val="FFFFFF"/>
+                  </a:solidFill>
+                </a:uFill>
+                <a:latin typeface="Century Gothic"/>
+              </a:rPr>
+              <a:t> le plus </a:t>
+            </a:r>
+            <a:r>
+              <a:rPr lang="en-US" sz="2000" b="0" strike="noStrike" spc="-1" dirty="0" err="1">
+                <a:solidFill>
+                  <a:srgbClr val="FFFFFF"/>
+                </a:solidFill>
+                <a:uFill>
+                  <a:solidFill>
+                    <a:srgbClr val="FFFFFF"/>
+                  </a:solidFill>
+                </a:uFill>
+                <a:latin typeface="Century Gothic"/>
+              </a:rPr>
+              <a:t>efficace</a:t>
+            </a:r>
+            <a:r>
+              <a:rPr lang="en-US" sz="2000" b="0" strike="noStrike" spc="-1" dirty="0">
+                <a:solidFill>
+                  <a:srgbClr val="FFFFFF"/>
+                </a:solidFill>
+                <a:uFill>
+                  <a:solidFill>
+                    <a:srgbClr val="FFFFFF"/>
+                  </a:solidFill>
+                </a:uFill>
+                <a:latin typeface="Century Gothic"/>
+              </a:rPr>
+              <a:t>.</a:t>
+            </a:r>
+            <a:endParaRPr lang="en-US" sz="2200" b="0" strike="noStrike" spc="-1" dirty="0">
               <a:solidFill>
                 <a:srgbClr val="FFFFFF"/>
               </a:solidFill>
@@ -16908,20 +18551,496 @@
               </a:lnSpc>
             </a:pPr>
             <a:r>
-              <a:rPr lang="en-US" sz="1600" b="0" strike="noStrike" spc="-1">
-                <a:solidFill>
-                  <a:srgbClr val="FFFFFF"/>
-                </a:solidFill>
-                <a:uFill>
-                  <a:solidFill>
-                    <a:srgbClr val="FFFFFF"/>
-                  </a:solidFill>
-                </a:uFill>
-                <a:latin typeface="Century Gothic"/>
-              </a:rPr>
-              <a:t>On va donc chercher à prédire quel heuristique est le plus efficace selon le jeu de données. Cependant, il se trouve que faire des prédictions sur 6 colonnes n'est pas facile. </a:t>
-            </a:r>
-            <a:endParaRPr lang="en-US" sz="2200" b="0" strike="noStrike" spc="-1">
+              <a:rPr lang="en-US" sz="1600" b="0" strike="noStrike" spc="-1" dirty="0">
+                <a:solidFill>
+                  <a:srgbClr val="FFFFFF"/>
+                </a:solidFill>
+                <a:uFill>
+                  <a:solidFill>
+                    <a:srgbClr val="FFFFFF"/>
+                  </a:solidFill>
+                </a:uFill>
+                <a:latin typeface="Century Gothic"/>
+              </a:rPr>
+              <a:t>On </a:t>
+            </a:r>
+            <a:r>
+              <a:rPr lang="en-US" sz="1600" b="0" strike="noStrike" spc="-1" dirty="0" err="1">
+                <a:solidFill>
+                  <a:srgbClr val="FFFFFF"/>
+                </a:solidFill>
+                <a:uFill>
+                  <a:solidFill>
+                    <a:srgbClr val="FFFFFF"/>
+                  </a:solidFill>
+                </a:uFill>
+                <a:latin typeface="Century Gothic"/>
+              </a:rPr>
+              <a:t>va</a:t>
+            </a:r>
+            <a:r>
+              <a:rPr lang="en-US" sz="1600" b="0" strike="noStrike" spc="-1" dirty="0">
+                <a:solidFill>
+                  <a:srgbClr val="FFFFFF"/>
+                </a:solidFill>
+                <a:uFill>
+                  <a:solidFill>
+                    <a:srgbClr val="FFFFFF"/>
+                  </a:solidFill>
+                </a:uFill>
+                <a:latin typeface="Century Gothic"/>
+              </a:rPr>
+              <a:t> </a:t>
+            </a:r>
+            <a:r>
+              <a:rPr lang="en-US" sz="1600" b="0" strike="noStrike" spc="-1" dirty="0" err="1">
+                <a:solidFill>
+                  <a:srgbClr val="FFFFFF"/>
+                </a:solidFill>
+                <a:uFill>
+                  <a:solidFill>
+                    <a:srgbClr val="FFFFFF"/>
+                  </a:solidFill>
+                </a:uFill>
+                <a:latin typeface="Century Gothic"/>
+              </a:rPr>
+              <a:t>donc</a:t>
+            </a:r>
+            <a:r>
+              <a:rPr lang="en-US" sz="1600" b="0" strike="noStrike" spc="-1" dirty="0">
+                <a:solidFill>
+                  <a:srgbClr val="FFFFFF"/>
+                </a:solidFill>
+                <a:uFill>
+                  <a:solidFill>
+                    <a:srgbClr val="FFFFFF"/>
+                  </a:solidFill>
+                </a:uFill>
+                <a:latin typeface="Century Gothic"/>
+              </a:rPr>
+              <a:t> </a:t>
+            </a:r>
+            <a:r>
+              <a:rPr lang="en-US" sz="1600" b="0" strike="noStrike" spc="-1" dirty="0" err="1">
+                <a:solidFill>
+                  <a:srgbClr val="FFFFFF"/>
+                </a:solidFill>
+                <a:uFill>
+                  <a:solidFill>
+                    <a:srgbClr val="FFFFFF"/>
+                  </a:solidFill>
+                </a:uFill>
+                <a:latin typeface="Century Gothic"/>
+              </a:rPr>
+              <a:t>chercher</a:t>
+            </a:r>
+            <a:r>
+              <a:rPr lang="en-US" sz="1600" b="0" strike="noStrike" spc="-1" dirty="0">
+                <a:solidFill>
+                  <a:srgbClr val="FFFFFF"/>
+                </a:solidFill>
+                <a:uFill>
+                  <a:solidFill>
+                    <a:srgbClr val="FFFFFF"/>
+                  </a:solidFill>
+                </a:uFill>
+                <a:latin typeface="Century Gothic"/>
+              </a:rPr>
+              <a:t> à </a:t>
+            </a:r>
+            <a:r>
+              <a:rPr lang="en-US" sz="1600" b="0" strike="noStrike" spc="-1" dirty="0" err="1">
+                <a:solidFill>
+                  <a:srgbClr val="FFFFFF"/>
+                </a:solidFill>
+                <a:uFill>
+                  <a:solidFill>
+                    <a:srgbClr val="FFFFFF"/>
+                  </a:solidFill>
+                </a:uFill>
+                <a:latin typeface="Century Gothic"/>
+              </a:rPr>
+              <a:t>prédire</a:t>
+            </a:r>
+            <a:r>
+              <a:rPr lang="en-US" sz="1600" b="0" strike="noStrike" spc="-1" dirty="0">
+                <a:solidFill>
+                  <a:srgbClr val="FFFFFF"/>
+                </a:solidFill>
+                <a:uFill>
+                  <a:solidFill>
+                    <a:srgbClr val="FFFFFF"/>
+                  </a:solidFill>
+                </a:uFill>
+                <a:latin typeface="Century Gothic"/>
+              </a:rPr>
+              <a:t> </a:t>
+            </a:r>
+            <a:r>
+              <a:rPr lang="en-US" sz="1600" b="0" strike="noStrike" spc="-1" dirty="0" err="1">
+                <a:solidFill>
+                  <a:srgbClr val="FFFFFF"/>
+                </a:solidFill>
+                <a:uFill>
+                  <a:solidFill>
+                    <a:srgbClr val="FFFFFF"/>
+                  </a:solidFill>
+                </a:uFill>
+                <a:latin typeface="Century Gothic"/>
+              </a:rPr>
+              <a:t>quel</a:t>
+            </a:r>
+            <a:r>
+              <a:rPr lang="en-US" sz="1600" b="0" strike="noStrike" spc="-1" dirty="0">
+                <a:solidFill>
+                  <a:srgbClr val="FFFFFF"/>
+                </a:solidFill>
+                <a:uFill>
+                  <a:solidFill>
+                    <a:srgbClr val="FFFFFF"/>
+                  </a:solidFill>
+                </a:uFill>
+                <a:latin typeface="Century Gothic"/>
+              </a:rPr>
+              <a:t> </a:t>
+            </a:r>
+            <a:r>
+              <a:rPr lang="en-US" sz="1600" b="0" strike="noStrike" spc="-1" dirty="0" err="1">
+                <a:solidFill>
+                  <a:srgbClr val="FFFFFF"/>
+                </a:solidFill>
+                <a:uFill>
+                  <a:solidFill>
+                    <a:srgbClr val="FFFFFF"/>
+                  </a:solidFill>
+                </a:uFill>
+                <a:latin typeface="Century Gothic"/>
+              </a:rPr>
+              <a:t>heuristique</a:t>
+            </a:r>
+            <a:r>
+              <a:rPr lang="en-US" sz="1600" b="0" strike="noStrike" spc="-1" dirty="0">
+                <a:solidFill>
+                  <a:srgbClr val="FFFFFF"/>
+                </a:solidFill>
+                <a:uFill>
+                  <a:solidFill>
+                    <a:srgbClr val="FFFFFF"/>
+                  </a:solidFill>
+                </a:uFill>
+                <a:latin typeface="Century Gothic"/>
+              </a:rPr>
+              <a:t> </a:t>
+            </a:r>
+            <a:r>
+              <a:rPr lang="en-US" sz="1600" b="0" strike="noStrike" spc="-1" dirty="0" err="1">
+                <a:solidFill>
+                  <a:srgbClr val="FFFFFF"/>
+                </a:solidFill>
+                <a:uFill>
+                  <a:solidFill>
+                    <a:srgbClr val="FFFFFF"/>
+                  </a:solidFill>
+                </a:uFill>
+                <a:latin typeface="Century Gothic"/>
+              </a:rPr>
+              <a:t>est</a:t>
+            </a:r>
+            <a:r>
+              <a:rPr lang="en-US" sz="1600" b="0" strike="noStrike" spc="-1" dirty="0">
+                <a:solidFill>
+                  <a:srgbClr val="FFFFFF"/>
+                </a:solidFill>
+                <a:uFill>
+                  <a:solidFill>
+                    <a:srgbClr val="FFFFFF"/>
+                  </a:solidFill>
+                </a:uFill>
+                <a:latin typeface="Century Gothic"/>
+              </a:rPr>
+              <a:t> le plus </a:t>
+            </a:r>
+            <a:r>
+              <a:rPr lang="en-US" sz="1600" b="0" strike="noStrike" spc="-1" dirty="0" err="1">
+                <a:solidFill>
+                  <a:srgbClr val="FFFFFF"/>
+                </a:solidFill>
+                <a:uFill>
+                  <a:solidFill>
+                    <a:srgbClr val="FFFFFF"/>
+                  </a:solidFill>
+                </a:uFill>
+                <a:latin typeface="Century Gothic"/>
+              </a:rPr>
+              <a:t>efficace</a:t>
+            </a:r>
+            <a:r>
+              <a:rPr lang="en-US" sz="1600" b="0" strike="noStrike" spc="-1" dirty="0">
+                <a:solidFill>
+                  <a:srgbClr val="FFFFFF"/>
+                </a:solidFill>
+                <a:uFill>
+                  <a:solidFill>
+                    <a:srgbClr val="FFFFFF"/>
+                  </a:solidFill>
+                </a:uFill>
+                <a:latin typeface="Century Gothic"/>
+              </a:rPr>
+              <a:t> </a:t>
+            </a:r>
+            <a:r>
+              <a:rPr lang="en-US" sz="1600" b="0" strike="noStrike" spc="-1" dirty="0" err="1">
+                <a:solidFill>
+                  <a:srgbClr val="FFFFFF"/>
+                </a:solidFill>
+                <a:uFill>
+                  <a:solidFill>
+                    <a:srgbClr val="FFFFFF"/>
+                  </a:solidFill>
+                </a:uFill>
+                <a:latin typeface="Century Gothic"/>
+              </a:rPr>
+              <a:t>selon</a:t>
+            </a:r>
+            <a:r>
+              <a:rPr lang="en-US" sz="1600" b="0" strike="noStrike" spc="-1" dirty="0">
+                <a:solidFill>
+                  <a:srgbClr val="FFFFFF"/>
+                </a:solidFill>
+                <a:uFill>
+                  <a:solidFill>
+                    <a:srgbClr val="FFFFFF"/>
+                  </a:solidFill>
+                </a:uFill>
+                <a:latin typeface="Century Gothic"/>
+              </a:rPr>
+              <a:t> le </a:t>
+            </a:r>
+            <a:r>
+              <a:rPr lang="en-US" sz="1600" b="0" strike="noStrike" spc="-1" dirty="0" err="1">
+                <a:solidFill>
+                  <a:srgbClr val="FFFFFF"/>
+                </a:solidFill>
+                <a:uFill>
+                  <a:solidFill>
+                    <a:srgbClr val="FFFFFF"/>
+                  </a:solidFill>
+                </a:uFill>
+                <a:latin typeface="Century Gothic"/>
+              </a:rPr>
+              <a:t>jeu</a:t>
+            </a:r>
+            <a:r>
+              <a:rPr lang="en-US" sz="1600" b="0" strike="noStrike" spc="-1" dirty="0">
+                <a:solidFill>
+                  <a:srgbClr val="FFFFFF"/>
+                </a:solidFill>
+                <a:uFill>
+                  <a:solidFill>
+                    <a:srgbClr val="FFFFFF"/>
+                  </a:solidFill>
+                </a:uFill>
+                <a:latin typeface="Century Gothic"/>
+              </a:rPr>
+              <a:t> de </a:t>
+            </a:r>
+            <a:r>
+              <a:rPr lang="en-US" sz="1600" b="0" strike="noStrike" spc="-1" dirty="0" err="1">
+                <a:solidFill>
+                  <a:srgbClr val="FFFFFF"/>
+                </a:solidFill>
+                <a:uFill>
+                  <a:solidFill>
+                    <a:srgbClr val="FFFFFF"/>
+                  </a:solidFill>
+                </a:uFill>
+                <a:latin typeface="Century Gothic"/>
+              </a:rPr>
+              <a:t>données</a:t>
+            </a:r>
+            <a:r>
+              <a:rPr lang="en-US" sz="1600" b="0" strike="noStrike" spc="-1" dirty="0">
+                <a:solidFill>
+                  <a:srgbClr val="FFFFFF"/>
+                </a:solidFill>
+                <a:uFill>
+                  <a:solidFill>
+                    <a:srgbClr val="FFFFFF"/>
+                  </a:solidFill>
+                </a:uFill>
+                <a:latin typeface="Century Gothic"/>
+              </a:rPr>
+              <a:t>. </a:t>
+            </a:r>
+            <a:r>
+              <a:rPr lang="en-US" sz="1600" b="0" strike="noStrike" spc="-1" dirty="0" err="1">
+                <a:solidFill>
+                  <a:srgbClr val="FFFFFF"/>
+                </a:solidFill>
+                <a:uFill>
+                  <a:solidFill>
+                    <a:srgbClr val="FFFFFF"/>
+                  </a:solidFill>
+                </a:uFill>
+                <a:latin typeface="Century Gothic"/>
+              </a:rPr>
+              <a:t>Cependant</a:t>
+            </a:r>
+            <a:r>
+              <a:rPr lang="en-US" sz="1600" b="0" strike="noStrike" spc="-1" dirty="0">
+                <a:solidFill>
+                  <a:srgbClr val="FFFFFF"/>
+                </a:solidFill>
+                <a:uFill>
+                  <a:solidFill>
+                    <a:srgbClr val="FFFFFF"/>
+                  </a:solidFill>
+                </a:uFill>
+                <a:latin typeface="Century Gothic"/>
+              </a:rPr>
+              <a:t>, </a:t>
+            </a:r>
+            <a:r>
+              <a:rPr lang="en-US" sz="1600" b="0" strike="noStrike" spc="-1" dirty="0" err="1">
+                <a:solidFill>
+                  <a:srgbClr val="FFFFFF"/>
+                </a:solidFill>
+                <a:uFill>
+                  <a:solidFill>
+                    <a:srgbClr val="FFFFFF"/>
+                  </a:solidFill>
+                </a:uFill>
+                <a:latin typeface="Century Gothic"/>
+              </a:rPr>
+              <a:t>il</a:t>
+            </a:r>
+            <a:r>
+              <a:rPr lang="en-US" sz="1600" b="0" strike="noStrike" spc="-1" dirty="0">
+                <a:solidFill>
+                  <a:srgbClr val="FFFFFF"/>
+                </a:solidFill>
+                <a:uFill>
+                  <a:solidFill>
+                    <a:srgbClr val="FFFFFF"/>
+                  </a:solidFill>
+                </a:uFill>
+                <a:latin typeface="Century Gothic"/>
+              </a:rPr>
+              <a:t> se </a:t>
+            </a:r>
+            <a:r>
+              <a:rPr lang="en-US" sz="1600" b="0" strike="noStrike" spc="-1" dirty="0" err="1">
+                <a:solidFill>
+                  <a:srgbClr val="FFFFFF"/>
+                </a:solidFill>
+                <a:uFill>
+                  <a:solidFill>
+                    <a:srgbClr val="FFFFFF"/>
+                  </a:solidFill>
+                </a:uFill>
+                <a:latin typeface="Century Gothic"/>
+              </a:rPr>
+              <a:t>trouve</a:t>
+            </a:r>
+            <a:r>
+              <a:rPr lang="en-US" sz="1600" b="0" strike="noStrike" spc="-1" dirty="0">
+                <a:solidFill>
+                  <a:srgbClr val="FFFFFF"/>
+                </a:solidFill>
+                <a:uFill>
+                  <a:solidFill>
+                    <a:srgbClr val="FFFFFF"/>
+                  </a:solidFill>
+                </a:uFill>
+                <a:latin typeface="Century Gothic"/>
+              </a:rPr>
+              <a:t> que faire des </a:t>
+            </a:r>
+            <a:r>
+              <a:rPr lang="en-US" sz="1600" b="0" strike="noStrike" spc="-1" dirty="0" err="1">
+                <a:solidFill>
+                  <a:srgbClr val="FFFFFF"/>
+                </a:solidFill>
+                <a:uFill>
+                  <a:solidFill>
+                    <a:srgbClr val="FFFFFF"/>
+                  </a:solidFill>
+                </a:uFill>
+                <a:latin typeface="Century Gothic"/>
+              </a:rPr>
+              <a:t>prédictions</a:t>
+            </a:r>
+            <a:r>
+              <a:rPr lang="en-US" sz="1600" b="0" strike="noStrike" spc="-1" dirty="0">
+                <a:solidFill>
+                  <a:srgbClr val="FFFFFF"/>
+                </a:solidFill>
+                <a:uFill>
+                  <a:solidFill>
+                    <a:srgbClr val="FFFFFF"/>
+                  </a:solidFill>
+                </a:uFill>
+                <a:latin typeface="Century Gothic"/>
+              </a:rPr>
+              <a:t> sur 6 </a:t>
+            </a:r>
+            <a:r>
+              <a:rPr lang="en-US" sz="1600" b="0" strike="noStrike" spc="-1" dirty="0" err="1">
+                <a:solidFill>
+                  <a:srgbClr val="FFFFFF"/>
+                </a:solidFill>
+                <a:uFill>
+                  <a:solidFill>
+                    <a:srgbClr val="FFFFFF"/>
+                  </a:solidFill>
+                </a:uFill>
+                <a:latin typeface="Century Gothic"/>
+              </a:rPr>
+              <a:t>colonnes</a:t>
+            </a:r>
+            <a:r>
+              <a:rPr lang="en-US" sz="1600" b="0" strike="noStrike" spc="-1" dirty="0">
+                <a:solidFill>
+                  <a:srgbClr val="FFFFFF"/>
+                </a:solidFill>
+                <a:uFill>
+                  <a:solidFill>
+                    <a:srgbClr val="FFFFFF"/>
+                  </a:solidFill>
+                </a:uFill>
+                <a:latin typeface="Century Gothic"/>
+              </a:rPr>
+              <a:t> </a:t>
+            </a:r>
+            <a:r>
+              <a:rPr lang="en-US" sz="1600" b="0" strike="noStrike" spc="-1" dirty="0" err="1">
+                <a:solidFill>
+                  <a:srgbClr val="FFFFFF"/>
+                </a:solidFill>
+                <a:uFill>
+                  <a:solidFill>
+                    <a:srgbClr val="FFFFFF"/>
+                  </a:solidFill>
+                </a:uFill>
+                <a:latin typeface="Century Gothic"/>
+              </a:rPr>
+              <a:t>n'est</a:t>
+            </a:r>
+            <a:r>
+              <a:rPr lang="en-US" sz="1600" b="0" strike="noStrike" spc="-1" dirty="0">
+                <a:solidFill>
+                  <a:srgbClr val="FFFFFF"/>
+                </a:solidFill>
+                <a:uFill>
+                  <a:solidFill>
+                    <a:srgbClr val="FFFFFF"/>
+                  </a:solidFill>
+                </a:uFill>
+                <a:latin typeface="Century Gothic"/>
+              </a:rPr>
+              <a:t> pas facile. </a:t>
+            </a:r>
+            <a:endParaRPr lang="en-US" sz="2200" b="0" strike="noStrike" spc="-1" dirty="0">
               <a:solidFill>
                 <a:srgbClr val="FFFFFF"/>
               </a:solidFill>
@@ -16940,20 +19059,468 @@
               </a:lnSpc>
             </a:pPr>
             <a:r>
-              <a:rPr lang="en-US" sz="1600" b="0" strike="noStrike" spc="-1">
-                <a:solidFill>
-                  <a:srgbClr val="FFFFFF"/>
-                </a:solidFill>
-                <a:uFill>
-                  <a:solidFill>
-                    <a:srgbClr val="FFFFFF"/>
-                  </a:solidFill>
-                </a:uFill>
-                <a:latin typeface="Century Gothic"/>
-              </a:rPr>
-              <a:t>Nous allons donc créer une dernière colonne "results" qui prendra l'indice du meilleur heuristique (si H1 prend 1, "results" prend 1; si H2 prend 2 "results" prend 2, etc...)</a:t>
-            </a:r>
-            <a:endParaRPr lang="en-US" sz="2200" b="0" strike="noStrike" spc="-1">
+              <a:rPr lang="en-US" sz="1600" b="0" strike="noStrike" spc="-1" dirty="0">
+                <a:solidFill>
+                  <a:srgbClr val="FFFFFF"/>
+                </a:solidFill>
+                <a:uFill>
+                  <a:solidFill>
+                    <a:srgbClr val="FFFFFF"/>
+                  </a:solidFill>
+                </a:uFill>
+                <a:latin typeface="Century Gothic"/>
+              </a:rPr>
+              <a:t>Nous </a:t>
+            </a:r>
+            <a:r>
+              <a:rPr lang="en-US" sz="1600" b="0" strike="noStrike" spc="-1" dirty="0" err="1">
+                <a:solidFill>
+                  <a:srgbClr val="FFFFFF"/>
+                </a:solidFill>
+                <a:uFill>
+                  <a:solidFill>
+                    <a:srgbClr val="FFFFFF"/>
+                  </a:solidFill>
+                </a:uFill>
+                <a:latin typeface="Century Gothic"/>
+              </a:rPr>
+              <a:t>allons</a:t>
+            </a:r>
+            <a:r>
+              <a:rPr lang="en-US" sz="1600" b="0" strike="noStrike" spc="-1" dirty="0">
+                <a:solidFill>
+                  <a:srgbClr val="FFFFFF"/>
+                </a:solidFill>
+                <a:uFill>
+                  <a:solidFill>
+                    <a:srgbClr val="FFFFFF"/>
+                  </a:solidFill>
+                </a:uFill>
+                <a:latin typeface="Century Gothic"/>
+              </a:rPr>
+              <a:t> </a:t>
+            </a:r>
+            <a:r>
+              <a:rPr lang="en-US" sz="1600" b="0" strike="noStrike" spc="-1" dirty="0" err="1">
+                <a:solidFill>
+                  <a:srgbClr val="FFFFFF"/>
+                </a:solidFill>
+                <a:uFill>
+                  <a:solidFill>
+                    <a:srgbClr val="FFFFFF"/>
+                  </a:solidFill>
+                </a:uFill>
+                <a:latin typeface="Century Gothic"/>
+              </a:rPr>
+              <a:t>donc</a:t>
+            </a:r>
+            <a:r>
+              <a:rPr lang="en-US" sz="1600" b="0" strike="noStrike" spc="-1" dirty="0">
+                <a:solidFill>
+                  <a:srgbClr val="FFFFFF"/>
+                </a:solidFill>
+                <a:uFill>
+                  <a:solidFill>
+                    <a:srgbClr val="FFFFFF"/>
+                  </a:solidFill>
+                </a:uFill>
+                <a:latin typeface="Century Gothic"/>
+              </a:rPr>
+              <a:t> </a:t>
+            </a:r>
+            <a:r>
+              <a:rPr lang="en-US" sz="1600" b="0" strike="noStrike" spc="-1" dirty="0" err="1">
+                <a:solidFill>
+                  <a:srgbClr val="FFFFFF"/>
+                </a:solidFill>
+                <a:uFill>
+                  <a:solidFill>
+                    <a:srgbClr val="FFFFFF"/>
+                  </a:solidFill>
+                </a:uFill>
+                <a:latin typeface="Century Gothic"/>
+              </a:rPr>
+              <a:t>créer</a:t>
+            </a:r>
+            <a:r>
+              <a:rPr lang="en-US" sz="1600" b="0" strike="noStrike" spc="-1" dirty="0">
+                <a:solidFill>
+                  <a:srgbClr val="FFFFFF"/>
+                </a:solidFill>
+                <a:uFill>
+                  <a:solidFill>
+                    <a:srgbClr val="FFFFFF"/>
+                  </a:solidFill>
+                </a:uFill>
+                <a:latin typeface="Century Gothic"/>
+              </a:rPr>
+              <a:t> </a:t>
+            </a:r>
+            <a:r>
+              <a:rPr lang="en-US" sz="1600" b="0" strike="noStrike" spc="-1" dirty="0" err="1">
+                <a:solidFill>
+                  <a:srgbClr val="FFFFFF"/>
+                </a:solidFill>
+                <a:uFill>
+                  <a:solidFill>
+                    <a:srgbClr val="FFFFFF"/>
+                  </a:solidFill>
+                </a:uFill>
+                <a:latin typeface="Century Gothic"/>
+              </a:rPr>
+              <a:t>une</a:t>
+            </a:r>
+            <a:r>
+              <a:rPr lang="en-US" sz="1600" b="0" strike="noStrike" spc="-1" dirty="0">
+                <a:solidFill>
+                  <a:srgbClr val="FFFFFF"/>
+                </a:solidFill>
+                <a:uFill>
+                  <a:solidFill>
+                    <a:srgbClr val="FFFFFF"/>
+                  </a:solidFill>
+                </a:uFill>
+                <a:latin typeface="Century Gothic"/>
+              </a:rPr>
+              <a:t> </a:t>
+            </a:r>
+            <a:r>
+              <a:rPr lang="en-US" sz="1600" b="0" strike="noStrike" spc="-1" dirty="0" err="1">
+                <a:solidFill>
+                  <a:srgbClr val="FFFFFF"/>
+                </a:solidFill>
+                <a:uFill>
+                  <a:solidFill>
+                    <a:srgbClr val="FFFFFF"/>
+                  </a:solidFill>
+                </a:uFill>
+                <a:latin typeface="Century Gothic"/>
+              </a:rPr>
+              <a:t>dernière</a:t>
+            </a:r>
+            <a:r>
+              <a:rPr lang="en-US" sz="1600" b="0" strike="noStrike" spc="-1" dirty="0">
+                <a:solidFill>
+                  <a:srgbClr val="FFFFFF"/>
+                </a:solidFill>
+                <a:uFill>
+                  <a:solidFill>
+                    <a:srgbClr val="FFFFFF"/>
+                  </a:solidFill>
+                </a:uFill>
+                <a:latin typeface="Century Gothic"/>
+              </a:rPr>
+              <a:t> </a:t>
+            </a:r>
+            <a:r>
+              <a:rPr lang="en-US" sz="1600" b="0" strike="noStrike" spc="-1" dirty="0" err="1">
+                <a:solidFill>
+                  <a:srgbClr val="FFFFFF"/>
+                </a:solidFill>
+                <a:uFill>
+                  <a:solidFill>
+                    <a:srgbClr val="FFFFFF"/>
+                  </a:solidFill>
+                </a:uFill>
+                <a:latin typeface="Century Gothic"/>
+              </a:rPr>
+              <a:t>colonne</a:t>
+            </a:r>
+            <a:r>
+              <a:rPr lang="en-US" sz="1600" b="0" strike="noStrike" spc="-1" dirty="0">
+                <a:solidFill>
+                  <a:srgbClr val="FFFFFF"/>
+                </a:solidFill>
+                <a:uFill>
+                  <a:solidFill>
+                    <a:srgbClr val="FFFFFF"/>
+                  </a:solidFill>
+                </a:uFill>
+                <a:latin typeface="Century Gothic"/>
+              </a:rPr>
+              <a:t> "results" qui </a:t>
+            </a:r>
+            <a:r>
+              <a:rPr lang="en-US" sz="1600" b="0" strike="noStrike" spc="-1" dirty="0" err="1">
+                <a:solidFill>
+                  <a:srgbClr val="FFFFFF"/>
+                </a:solidFill>
+                <a:uFill>
+                  <a:solidFill>
+                    <a:srgbClr val="FFFFFF"/>
+                  </a:solidFill>
+                </a:uFill>
+                <a:latin typeface="Century Gothic"/>
+              </a:rPr>
+              <a:t>prendra</a:t>
+            </a:r>
+            <a:r>
+              <a:rPr lang="en-US" sz="1600" b="0" strike="noStrike" spc="-1" dirty="0">
+                <a:solidFill>
+                  <a:srgbClr val="FFFFFF"/>
+                </a:solidFill>
+                <a:uFill>
+                  <a:solidFill>
+                    <a:srgbClr val="FFFFFF"/>
+                  </a:solidFill>
+                </a:uFill>
+                <a:latin typeface="Century Gothic"/>
+              </a:rPr>
+              <a:t> </a:t>
+            </a:r>
+            <a:r>
+              <a:rPr lang="en-US" sz="1600" b="0" strike="noStrike" spc="-1" dirty="0" err="1">
+                <a:solidFill>
+                  <a:srgbClr val="FFFFFF"/>
+                </a:solidFill>
+                <a:uFill>
+                  <a:solidFill>
+                    <a:srgbClr val="FFFFFF"/>
+                  </a:solidFill>
+                </a:uFill>
+                <a:latin typeface="Century Gothic"/>
+              </a:rPr>
+              <a:t>l'indice</a:t>
+            </a:r>
+            <a:r>
+              <a:rPr lang="en-US" sz="1600" b="0" strike="noStrike" spc="-1" dirty="0">
+                <a:solidFill>
+                  <a:srgbClr val="FFFFFF"/>
+                </a:solidFill>
+                <a:uFill>
+                  <a:solidFill>
+                    <a:srgbClr val="FFFFFF"/>
+                  </a:solidFill>
+                </a:uFill>
+                <a:latin typeface="Century Gothic"/>
+              </a:rPr>
+              <a:t> du </a:t>
+            </a:r>
+            <a:r>
+              <a:rPr lang="en-US" sz="1600" b="0" strike="noStrike" spc="-1" dirty="0" err="1">
+                <a:solidFill>
+                  <a:srgbClr val="FFFFFF"/>
+                </a:solidFill>
+                <a:uFill>
+                  <a:solidFill>
+                    <a:srgbClr val="FFFFFF"/>
+                  </a:solidFill>
+                </a:uFill>
+                <a:latin typeface="Century Gothic"/>
+              </a:rPr>
+              <a:t>meilleur</a:t>
+            </a:r>
+            <a:r>
+              <a:rPr lang="en-US" sz="1600" b="0" strike="noStrike" spc="-1" dirty="0">
+                <a:solidFill>
+                  <a:srgbClr val="FFFFFF"/>
+                </a:solidFill>
+                <a:uFill>
+                  <a:solidFill>
+                    <a:srgbClr val="FFFFFF"/>
+                  </a:solidFill>
+                </a:uFill>
+                <a:latin typeface="Century Gothic"/>
+              </a:rPr>
+              <a:t> </a:t>
+            </a:r>
+            <a:r>
+              <a:rPr lang="en-US" sz="1600" b="0" strike="noStrike" spc="-1" dirty="0" err="1">
+                <a:solidFill>
+                  <a:srgbClr val="FFFFFF"/>
+                </a:solidFill>
+                <a:uFill>
+                  <a:solidFill>
+                    <a:srgbClr val="FFFFFF"/>
+                  </a:solidFill>
+                </a:uFill>
+                <a:latin typeface="Century Gothic"/>
+              </a:rPr>
+              <a:t>heuristique</a:t>
+            </a:r>
+            <a:r>
+              <a:rPr lang="en-US" sz="1600" b="0" strike="noStrike" spc="-1" dirty="0">
+                <a:solidFill>
+                  <a:srgbClr val="FFFFFF"/>
+                </a:solidFill>
+                <a:uFill>
+                  <a:solidFill>
+                    <a:srgbClr val="FFFFFF"/>
+                  </a:solidFill>
+                </a:uFill>
+                <a:latin typeface="Century Gothic"/>
+              </a:rPr>
+              <a:t> (</a:t>
+            </a:r>
+            <a:r>
+              <a:rPr lang="en-US" sz="1600" b="0" strike="noStrike" spc="-1" dirty="0" err="1">
+                <a:solidFill>
+                  <a:srgbClr val="FFFFFF"/>
+                </a:solidFill>
+                <a:uFill>
+                  <a:solidFill>
+                    <a:srgbClr val="FFFFFF"/>
+                  </a:solidFill>
+                </a:uFill>
+                <a:latin typeface="Century Gothic"/>
+              </a:rPr>
+              <a:t>si</a:t>
+            </a:r>
+            <a:r>
+              <a:rPr lang="en-US" sz="1600" b="0" strike="noStrike" spc="-1" dirty="0">
+                <a:solidFill>
+                  <a:srgbClr val="FFFFFF"/>
+                </a:solidFill>
+                <a:uFill>
+                  <a:solidFill>
+                    <a:srgbClr val="FFFFFF"/>
+                  </a:solidFill>
+                </a:uFill>
+                <a:latin typeface="Century Gothic"/>
+              </a:rPr>
+              <a:t> H1 </a:t>
+            </a:r>
+            <a:r>
+              <a:rPr lang="en-US" sz="1600" b="0" strike="noStrike" spc="-1" dirty="0" err="1">
+                <a:solidFill>
+                  <a:srgbClr val="FFFFFF"/>
+                </a:solidFill>
+                <a:uFill>
+                  <a:solidFill>
+                    <a:srgbClr val="FFFFFF"/>
+                  </a:solidFill>
+                </a:uFill>
+                <a:latin typeface="Century Gothic"/>
+              </a:rPr>
+              <a:t>prend</a:t>
+            </a:r>
+            <a:r>
+              <a:rPr lang="en-US" sz="1600" b="0" strike="noStrike" spc="-1" dirty="0">
+                <a:solidFill>
+                  <a:srgbClr val="FFFFFF"/>
+                </a:solidFill>
+                <a:uFill>
+                  <a:solidFill>
+                    <a:srgbClr val="FFFFFF"/>
+                  </a:solidFill>
+                </a:uFill>
+                <a:latin typeface="Century Gothic"/>
+              </a:rPr>
+              <a:t> 1, "results" </a:t>
+            </a:r>
+            <a:r>
+              <a:rPr lang="en-US" sz="1600" b="0" strike="noStrike" spc="-1" dirty="0" err="1">
+                <a:solidFill>
+                  <a:srgbClr val="FFFFFF"/>
+                </a:solidFill>
+                <a:uFill>
+                  <a:solidFill>
+                    <a:srgbClr val="FFFFFF"/>
+                  </a:solidFill>
+                </a:uFill>
+                <a:latin typeface="Century Gothic"/>
+              </a:rPr>
+              <a:t>prend</a:t>
+            </a:r>
+            <a:r>
+              <a:rPr lang="en-US" sz="1600" b="0" strike="noStrike" spc="-1" dirty="0">
+                <a:solidFill>
+                  <a:srgbClr val="FFFFFF"/>
+                </a:solidFill>
+                <a:uFill>
+                  <a:solidFill>
+                    <a:srgbClr val="FFFFFF"/>
+                  </a:solidFill>
+                </a:uFill>
+                <a:latin typeface="Century Gothic"/>
+              </a:rPr>
+              <a:t> 1; </a:t>
+            </a:r>
+            <a:r>
+              <a:rPr lang="en-US" sz="1600" b="0" strike="noStrike" spc="-1" dirty="0" err="1">
+                <a:solidFill>
+                  <a:srgbClr val="FFFFFF"/>
+                </a:solidFill>
+                <a:uFill>
+                  <a:solidFill>
+                    <a:srgbClr val="FFFFFF"/>
+                  </a:solidFill>
+                </a:uFill>
+                <a:latin typeface="Century Gothic"/>
+              </a:rPr>
+              <a:t>si</a:t>
+            </a:r>
+            <a:r>
+              <a:rPr lang="en-US" sz="1600" b="0" strike="noStrike" spc="-1" dirty="0">
+                <a:solidFill>
+                  <a:srgbClr val="FFFFFF"/>
+                </a:solidFill>
+                <a:uFill>
+                  <a:solidFill>
+                    <a:srgbClr val="FFFFFF"/>
+                  </a:solidFill>
+                </a:uFill>
+                <a:latin typeface="Century Gothic"/>
+              </a:rPr>
+              <a:t> H2 </a:t>
+            </a:r>
+            <a:r>
+              <a:rPr lang="en-US" sz="1600" b="0" strike="noStrike" spc="-1" dirty="0" err="1">
+                <a:solidFill>
+                  <a:srgbClr val="FFFFFF"/>
+                </a:solidFill>
+                <a:uFill>
+                  <a:solidFill>
+                    <a:srgbClr val="FFFFFF"/>
+                  </a:solidFill>
+                </a:uFill>
+                <a:latin typeface="Century Gothic"/>
+              </a:rPr>
+              <a:t>prend</a:t>
+            </a:r>
+            <a:r>
+              <a:rPr lang="en-US" sz="1600" b="0" strike="noStrike" spc="-1" dirty="0">
+                <a:solidFill>
+                  <a:srgbClr val="FFFFFF"/>
+                </a:solidFill>
+                <a:uFill>
+                  <a:solidFill>
+                    <a:srgbClr val="FFFFFF"/>
+                  </a:solidFill>
+                </a:uFill>
+                <a:latin typeface="Century Gothic"/>
+              </a:rPr>
+              <a:t> 2 "results" </a:t>
+            </a:r>
+            <a:r>
+              <a:rPr lang="en-US" sz="1600" b="0" strike="noStrike" spc="-1" dirty="0" err="1">
+                <a:solidFill>
+                  <a:srgbClr val="FFFFFF"/>
+                </a:solidFill>
+                <a:uFill>
+                  <a:solidFill>
+                    <a:srgbClr val="FFFFFF"/>
+                  </a:solidFill>
+                </a:uFill>
+                <a:latin typeface="Century Gothic"/>
+              </a:rPr>
+              <a:t>prend</a:t>
+            </a:r>
+            <a:r>
+              <a:rPr lang="en-US" sz="1600" b="0" strike="noStrike" spc="-1" dirty="0">
+                <a:solidFill>
+                  <a:srgbClr val="FFFFFF"/>
+                </a:solidFill>
+                <a:uFill>
+                  <a:solidFill>
+                    <a:srgbClr val="FFFFFF"/>
+                  </a:solidFill>
+                </a:uFill>
+                <a:latin typeface="Century Gothic"/>
+              </a:rPr>
+              <a:t> 2, etc...)</a:t>
+            </a:r>
+            <a:endParaRPr lang="en-US" sz="2200" b="0" strike="noStrike" spc="-1" dirty="0">
               <a:solidFill>
                 <a:srgbClr val="FFFFFF"/>
               </a:solidFill>
@@ -16972,20 +19539,342 @@
               </a:lnSpc>
             </a:pPr>
             <a:r>
-              <a:rPr lang="en-US" sz="1600" b="0" strike="noStrike" spc="-1">
-                <a:solidFill>
-                  <a:srgbClr val="FFFFFF"/>
-                </a:solidFill>
-                <a:uFill>
-                  <a:solidFill>
-                    <a:srgbClr val="FFFFFF"/>
-                  </a:solidFill>
-                </a:uFill>
-                <a:latin typeface="Century Gothic"/>
-              </a:rPr>
-              <a:t>Cette colonne sera donc notre cible, nous chercherons à voir si nous pourrons prédire quel indice en sort.</a:t>
-            </a:r>
-            <a:endParaRPr lang="en-US" sz="2200" b="0" strike="noStrike" spc="-1">
+              <a:rPr lang="en-US" sz="1600" b="0" strike="noStrike" spc="-1" dirty="0" err="1">
+                <a:solidFill>
+                  <a:srgbClr val="FFFFFF"/>
+                </a:solidFill>
+                <a:uFill>
+                  <a:solidFill>
+                    <a:srgbClr val="FFFFFF"/>
+                  </a:solidFill>
+                </a:uFill>
+                <a:latin typeface="Century Gothic"/>
+              </a:rPr>
+              <a:t>Cette</a:t>
+            </a:r>
+            <a:r>
+              <a:rPr lang="en-US" sz="1600" b="0" strike="noStrike" spc="-1" dirty="0">
+                <a:solidFill>
+                  <a:srgbClr val="FFFFFF"/>
+                </a:solidFill>
+                <a:uFill>
+                  <a:solidFill>
+                    <a:srgbClr val="FFFFFF"/>
+                  </a:solidFill>
+                </a:uFill>
+                <a:latin typeface="Century Gothic"/>
+              </a:rPr>
+              <a:t> </a:t>
+            </a:r>
+            <a:r>
+              <a:rPr lang="en-US" sz="1600" b="0" strike="noStrike" spc="-1" dirty="0" err="1">
+                <a:solidFill>
+                  <a:srgbClr val="FFFFFF"/>
+                </a:solidFill>
+                <a:uFill>
+                  <a:solidFill>
+                    <a:srgbClr val="FFFFFF"/>
+                  </a:solidFill>
+                </a:uFill>
+                <a:latin typeface="Century Gothic"/>
+              </a:rPr>
+              <a:t>colonne</a:t>
+            </a:r>
+            <a:r>
+              <a:rPr lang="en-US" sz="1600" b="0" strike="noStrike" spc="-1" dirty="0">
+                <a:solidFill>
+                  <a:srgbClr val="FFFFFF"/>
+                </a:solidFill>
+                <a:uFill>
+                  <a:solidFill>
+                    <a:srgbClr val="FFFFFF"/>
+                  </a:solidFill>
+                </a:uFill>
+                <a:latin typeface="Century Gothic"/>
+              </a:rPr>
+              <a:t> sera </a:t>
+            </a:r>
+            <a:r>
+              <a:rPr lang="en-US" sz="1600" b="0" strike="noStrike" spc="-1" dirty="0" err="1">
+                <a:solidFill>
+                  <a:srgbClr val="FFFFFF"/>
+                </a:solidFill>
+                <a:uFill>
+                  <a:solidFill>
+                    <a:srgbClr val="FFFFFF"/>
+                  </a:solidFill>
+                </a:uFill>
+                <a:latin typeface="Century Gothic"/>
+              </a:rPr>
+              <a:t>notre</a:t>
+            </a:r>
+            <a:r>
+              <a:rPr lang="en-US" sz="1600" b="0" strike="noStrike" spc="-1" dirty="0">
+                <a:solidFill>
+                  <a:srgbClr val="FFFFFF"/>
+                </a:solidFill>
+                <a:uFill>
+                  <a:solidFill>
+                    <a:srgbClr val="FFFFFF"/>
+                  </a:solidFill>
+                </a:uFill>
+                <a:latin typeface="Century Gothic"/>
+              </a:rPr>
+              <a:t> </a:t>
+            </a:r>
+            <a:r>
+              <a:rPr lang="en-US" sz="1600" b="0" strike="noStrike" spc="-1" dirty="0" err="1">
+                <a:solidFill>
+                  <a:srgbClr val="FFFFFF"/>
+                </a:solidFill>
+                <a:uFill>
+                  <a:solidFill>
+                    <a:srgbClr val="FFFFFF"/>
+                  </a:solidFill>
+                </a:uFill>
+                <a:latin typeface="Century Gothic"/>
+              </a:rPr>
+              <a:t>cible</a:t>
+            </a:r>
+            <a:r>
+              <a:rPr lang="en-US" sz="1600" b="0" strike="noStrike" spc="-1" dirty="0">
+                <a:solidFill>
+                  <a:srgbClr val="FFFFFF"/>
+                </a:solidFill>
+                <a:uFill>
+                  <a:solidFill>
+                    <a:srgbClr val="FFFFFF"/>
+                  </a:solidFill>
+                </a:uFill>
+                <a:latin typeface="Century Gothic"/>
+              </a:rPr>
+              <a:t>, nous </a:t>
+            </a:r>
+            <a:r>
+              <a:rPr lang="en-US" sz="1600" b="0" strike="noStrike" spc="-1" dirty="0" err="1">
+                <a:solidFill>
+                  <a:srgbClr val="FFFFFF"/>
+                </a:solidFill>
+                <a:uFill>
+                  <a:solidFill>
+                    <a:srgbClr val="FFFFFF"/>
+                  </a:solidFill>
+                </a:uFill>
+                <a:latin typeface="Century Gothic"/>
+              </a:rPr>
+              <a:t>chercherons</a:t>
+            </a:r>
+            <a:r>
+              <a:rPr lang="en-US" sz="1600" b="0" strike="noStrike" spc="-1" dirty="0">
+                <a:solidFill>
+                  <a:srgbClr val="FFFFFF"/>
+                </a:solidFill>
+                <a:uFill>
+                  <a:solidFill>
+                    <a:srgbClr val="FFFFFF"/>
+                  </a:solidFill>
+                </a:uFill>
+                <a:latin typeface="Century Gothic"/>
+              </a:rPr>
+              <a:t> à </a:t>
+            </a:r>
+            <a:r>
+              <a:rPr lang="en-US" sz="1600" b="0" strike="noStrike" spc="-1" dirty="0" err="1">
+                <a:solidFill>
+                  <a:srgbClr val="FFFFFF"/>
+                </a:solidFill>
+                <a:uFill>
+                  <a:solidFill>
+                    <a:srgbClr val="FFFFFF"/>
+                  </a:solidFill>
+                </a:uFill>
+                <a:latin typeface="Century Gothic"/>
+              </a:rPr>
+              <a:t>voir</a:t>
+            </a:r>
+            <a:r>
+              <a:rPr lang="en-US" sz="1600" b="0" strike="noStrike" spc="-1" dirty="0">
+                <a:solidFill>
+                  <a:srgbClr val="FFFFFF"/>
+                </a:solidFill>
+                <a:uFill>
+                  <a:solidFill>
+                    <a:srgbClr val="FFFFFF"/>
+                  </a:solidFill>
+                </a:uFill>
+                <a:latin typeface="Century Gothic"/>
+              </a:rPr>
+              <a:t> </a:t>
+            </a:r>
+            <a:r>
+              <a:rPr lang="en-US" sz="1600" b="0" strike="noStrike" spc="-1" dirty="0" err="1">
+                <a:solidFill>
+                  <a:srgbClr val="FFFFFF"/>
+                </a:solidFill>
+                <a:uFill>
+                  <a:solidFill>
+                    <a:srgbClr val="FFFFFF"/>
+                  </a:solidFill>
+                </a:uFill>
+                <a:latin typeface="Century Gothic"/>
+              </a:rPr>
+              <a:t>si</a:t>
+            </a:r>
+            <a:r>
+              <a:rPr lang="en-US" sz="1600" b="0" strike="noStrike" spc="-1" dirty="0">
+                <a:solidFill>
+                  <a:srgbClr val="FFFFFF"/>
+                </a:solidFill>
+                <a:uFill>
+                  <a:solidFill>
+                    <a:srgbClr val="FFFFFF"/>
+                  </a:solidFill>
+                </a:uFill>
+                <a:latin typeface="Century Gothic"/>
+              </a:rPr>
+              <a:t> nous </a:t>
+            </a:r>
+            <a:r>
+              <a:rPr lang="en-US" sz="1600" b="0" strike="noStrike" spc="-1" dirty="0" err="1">
+                <a:solidFill>
+                  <a:srgbClr val="FFFFFF"/>
+                </a:solidFill>
+                <a:uFill>
+                  <a:solidFill>
+                    <a:srgbClr val="FFFFFF"/>
+                  </a:solidFill>
+                </a:uFill>
+                <a:latin typeface="Century Gothic"/>
+              </a:rPr>
+              <a:t>pourrons</a:t>
+            </a:r>
+            <a:r>
+              <a:rPr lang="en-US" sz="1600" b="0" strike="noStrike" spc="-1" dirty="0">
+                <a:solidFill>
+                  <a:srgbClr val="FFFFFF"/>
+                </a:solidFill>
+                <a:uFill>
+                  <a:solidFill>
+                    <a:srgbClr val="FFFFFF"/>
+                  </a:solidFill>
+                </a:uFill>
+                <a:latin typeface="Century Gothic"/>
+              </a:rPr>
+              <a:t> </a:t>
+            </a:r>
+            <a:r>
+              <a:rPr lang="en-US" sz="1600" b="0" strike="noStrike" spc="-1" dirty="0" err="1">
+                <a:solidFill>
+                  <a:srgbClr val="FFFFFF"/>
+                </a:solidFill>
+                <a:uFill>
+                  <a:solidFill>
+                    <a:srgbClr val="FFFFFF"/>
+                  </a:solidFill>
+                </a:uFill>
+                <a:latin typeface="Century Gothic"/>
+              </a:rPr>
+              <a:t>prédire</a:t>
+            </a:r>
+            <a:r>
+              <a:rPr lang="en-US" sz="1600" b="0" strike="noStrike" spc="-1" dirty="0">
+                <a:solidFill>
+                  <a:srgbClr val="FFFFFF"/>
+                </a:solidFill>
+                <a:uFill>
+                  <a:solidFill>
+                    <a:srgbClr val="FFFFFF"/>
+                  </a:solidFill>
+                </a:uFill>
+                <a:latin typeface="Century Gothic"/>
+              </a:rPr>
+              <a:t> </a:t>
+            </a:r>
+            <a:r>
+              <a:rPr lang="en-US" sz="1600" b="0" strike="noStrike" spc="-1" dirty="0" err="1">
+                <a:solidFill>
+                  <a:srgbClr val="FFFFFF"/>
+                </a:solidFill>
+                <a:uFill>
+                  <a:solidFill>
+                    <a:srgbClr val="FFFFFF"/>
+                  </a:solidFill>
+                </a:uFill>
+                <a:latin typeface="Century Gothic"/>
+              </a:rPr>
+              <a:t>quel</a:t>
+            </a:r>
+            <a:r>
+              <a:rPr lang="en-US" sz="1600" b="0" strike="noStrike" spc="-1" dirty="0">
+                <a:solidFill>
+                  <a:srgbClr val="FFFFFF"/>
+                </a:solidFill>
+                <a:uFill>
+                  <a:solidFill>
+                    <a:srgbClr val="FFFFFF"/>
+                  </a:solidFill>
+                </a:uFill>
+                <a:latin typeface="Century Gothic"/>
+              </a:rPr>
+              <a:t> </a:t>
+            </a:r>
+            <a:r>
+              <a:rPr lang="en-US" sz="1600" b="0" strike="noStrike" spc="-1" dirty="0" err="1">
+                <a:solidFill>
+                  <a:srgbClr val="FFFFFF"/>
+                </a:solidFill>
+                <a:uFill>
+                  <a:solidFill>
+                    <a:srgbClr val="FFFFFF"/>
+                  </a:solidFill>
+                </a:uFill>
+                <a:latin typeface="Century Gothic"/>
+              </a:rPr>
+              <a:t>indice</a:t>
+            </a:r>
+            <a:r>
+              <a:rPr lang="en-US" sz="1600" b="0" strike="noStrike" spc="-1" dirty="0">
+                <a:solidFill>
+                  <a:srgbClr val="FFFFFF"/>
+                </a:solidFill>
+                <a:uFill>
+                  <a:solidFill>
+                    <a:srgbClr val="FFFFFF"/>
+                  </a:solidFill>
+                </a:uFill>
+                <a:latin typeface="Century Gothic"/>
+              </a:rPr>
+              <a:t> </a:t>
+            </a:r>
+            <a:r>
+              <a:rPr lang="en-US" sz="1600" b="0" strike="noStrike" spc="-1" dirty="0" err="1">
+                <a:solidFill>
+                  <a:srgbClr val="FFFFFF"/>
+                </a:solidFill>
+                <a:uFill>
+                  <a:solidFill>
+                    <a:srgbClr val="FFFFFF"/>
+                  </a:solidFill>
+                </a:uFill>
+                <a:latin typeface="Century Gothic"/>
+              </a:rPr>
+              <a:t>en</a:t>
+            </a:r>
+            <a:r>
+              <a:rPr lang="en-US" sz="1600" b="0" strike="noStrike" spc="-1" dirty="0">
+                <a:solidFill>
+                  <a:srgbClr val="FFFFFF"/>
+                </a:solidFill>
+                <a:uFill>
+                  <a:solidFill>
+                    <a:srgbClr val="FFFFFF"/>
+                  </a:solidFill>
+                </a:uFill>
+                <a:latin typeface="Century Gothic"/>
+              </a:rPr>
+              <a:t> sort.</a:t>
+            </a:r>
+            <a:endParaRPr lang="en-US" sz="2200" b="0" strike="noStrike" spc="-1" dirty="0">
               <a:solidFill>
                 <a:srgbClr val="FFFFFF"/>
               </a:solidFill>
@@ -17141,7 +20030,7 @@
               <a:buChar char="•"/>
             </a:pPr>
             <a:r>
-              <a:rPr lang="en-US" sz="2200" b="0" strike="noStrike" spc="-1">
+              <a:rPr lang="en-US" sz="2200" b="0" strike="noStrike" spc="-1" dirty="0">
                 <a:solidFill>
                   <a:srgbClr val="FFFFFF"/>
                 </a:solidFill>
@@ -17162,19 +20051,324 @@
               </a:lnSpc>
             </a:pPr>
             <a:r>
-              <a:rPr lang="en-US" sz="2200" b="0" strike="noStrike" spc="-1">
-                <a:solidFill>
-                  <a:srgbClr val="FFFFFF"/>
-                </a:solidFill>
-                <a:uFill>
-                  <a:solidFill>
-                    <a:srgbClr val="FFFFFF"/>
-                  </a:solidFill>
-                </a:uFill>
-                <a:latin typeface="Century Gothic"/>
-              </a:rPr>
-              <a:t>Pour le dataset on décide de profiter du travail déjà effectué et donc de prendre le le Train.csv (qu'on appel dt) et Test.csv(du'on appelle dv). Ainsi nous n'aurons pas à faire le split_test et nous rajoutons la colonne results aux deux dataFrame</a:t>
-            </a:r>
+              <a:rPr lang="en-US" sz="2200" b="0" strike="noStrike" spc="-1" dirty="0">
+                <a:solidFill>
+                  <a:srgbClr val="FFFFFF"/>
+                </a:solidFill>
+                <a:uFill>
+                  <a:solidFill>
+                    <a:srgbClr val="FFFFFF"/>
+                  </a:solidFill>
+                </a:uFill>
+                <a:latin typeface="Century Gothic"/>
+              </a:rPr>
+              <a:t>Pour le dataset on </a:t>
+            </a:r>
+            <a:r>
+              <a:rPr lang="en-US" sz="2200" b="0" strike="noStrike" spc="-1" dirty="0" err="1">
+                <a:solidFill>
+                  <a:srgbClr val="FFFFFF"/>
+                </a:solidFill>
+                <a:uFill>
+                  <a:solidFill>
+                    <a:srgbClr val="FFFFFF"/>
+                  </a:solidFill>
+                </a:uFill>
+                <a:latin typeface="Century Gothic"/>
+              </a:rPr>
+              <a:t>décide</a:t>
+            </a:r>
+            <a:r>
+              <a:rPr lang="en-US" sz="2200" b="0" strike="noStrike" spc="-1" dirty="0">
+                <a:solidFill>
+                  <a:srgbClr val="FFFFFF"/>
+                </a:solidFill>
+                <a:uFill>
+                  <a:solidFill>
+                    <a:srgbClr val="FFFFFF"/>
+                  </a:solidFill>
+                </a:uFill>
+                <a:latin typeface="Century Gothic"/>
+              </a:rPr>
+              <a:t> de profiter du travail déjà </a:t>
+            </a:r>
+            <a:r>
+              <a:rPr lang="en-US" sz="2200" b="0" strike="noStrike" spc="-1" dirty="0" err="1">
+                <a:solidFill>
+                  <a:srgbClr val="FFFFFF"/>
+                </a:solidFill>
+                <a:uFill>
+                  <a:solidFill>
+                    <a:srgbClr val="FFFFFF"/>
+                  </a:solidFill>
+                </a:uFill>
+                <a:latin typeface="Century Gothic"/>
+              </a:rPr>
+              <a:t>effectué</a:t>
+            </a:r>
+            <a:r>
+              <a:rPr lang="en-US" sz="2200" b="0" strike="noStrike" spc="-1" dirty="0">
+                <a:solidFill>
+                  <a:srgbClr val="FFFFFF"/>
+                </a:solidFill>
+                <a:uFill>
+                  <a:solidFill>
+                    <a:srgbClr val="FFFFFF"/>
+                  </a:solidFill>
+                </a:uFill>
+                <a:latin typeface="Century Gothic"/>
+              </a:rPr>
+              <a:t> et </a:t>
+            </a:r>
+            <a:r>
+              <a:rPr lang="en-US" sz="2200" b="0" strike="noStrike" spc="-1" dirty="0" err="1">
+                <a:solidFill>
+                  <a:srgbClr val="FFFFFF"/>
+                </a:solidFill>
+                <a:uFill>
+                  <a:solidFill>
+                    <a:srgbClr val="FFFFFF"/>
+                  </a:solidFill>
+                </a:uFill>
+                <a:latin typeface="Century Gothic"/>
+              </a:rPr>
+              <a:t>donc</a:t>
+            </a:r>
+            <a:r>
+              <a:rPr lang="en-US" sz="2200" b="0" strike="noStrike" spc="-1" dirty="0">
+                <a:solidFill>
+                  <a:srgbClr val="FFFFFF"/>
+                </a:solidFill>
+                <a:uFill>
+                  <a:solidFill>
+                    <a:srgbClr val="FFFFFF"/>
+                  </a:solidFill>
+                </a:uFill>
+                <a:latin typeface="Century Gothic"/>
+              </a:rPr>
+              <a:t> de prendre le Train.csv (</a:t>
+            </a:r>
+            <a:r>
+              <a:rPr lang="en-US" sz="2200" b="0" strike="noStrike" spc="-1" dirty="0" err="1">
+                <a:solidFill>
+                  <a:srgbClr val="FFFFFF"/>
+                </a:solidFill>
+                <a:uFill>
+                  <a:solidFill>
+                    <a:srgbClr val="FFFFFF"/>
+                  </a:solidFill>
+                </a:uFill>
+                <a:latin typeface="Century Gothic"/>
+              </a:rPr>
+              <a:t>appelé</a:t>
+            </a:r>
+            <a:r>
+              <a:rPr lang="en-US" sz="2200" b="0" strike="noStrike" spc="-1" dirty="0">
+                <a:solidFill>
+                  <a:srgbClr val="FFFFFF"/>
+                </a:solidFill>
+                <a:uFill>
+                  <a:solidFill>
+                    <a:srgbClr val="FFFFFF"/>
+                  </a:solidFill>
+                </a:uFill>
+                <a:latin typeface="Century Gothic"/>
+              </a:rPr>
+              <a:t> dt) et Test.csv(</a:t>
+            </a:r>
+            <a:r>
+              <a:rPr lang="en-US" sz="2200" b="0" strike="noStrike" spc="-1" dirty="0" err="1">
+                <a:solidFill>
+                  <a:srgbClr val="FFFFFF"/>
+                </a:solidFill>
+                <a:uFill>
+                  <a:solidFill>
+                    <a:srgbClr val="FFFFFF"/>
+                  </a:solidFill>
+                </a:uFill>
+                <a:latin typeface="Century Gothic"/>
+              </a:rPr>
+              <a:t>appelé</a:t>
+            </a:r>
+            <a:r>
+              <a:rPr lang="en-US" sz="2200" b="0" strike="noStrike" spc="-1" dirty="0">
+                <a:solidFill>
+                  <a:srgbClr val="FFFFFF"/>
+                </a:solidFill>
+                <a:uFill>
+                  <a:solidFill>
+                    <a:srgbClr val="FFFFFF"/>
+                  </a:solidFill>
+                </a:uFill>
+                <a:latin typeface="Century Gothic"/>
+              </a:rPr>
+              <a:t> dv). </a:t>
+            </a:r>
+            <a:r>
+              <a:rPr lang="en-US" sz="2200" b="0" strike="noStrike" spc="-1" dirty="0" err="1">
+                <a:solidFill>
+                  <a:srgbClr val="FFFFFF"/>
+                </a:solidFill>
+                <a:uFill>
+                  <a:solidFill>
+                    <a:srgbClr val="FFFFFF"/>
+                  </a:solidFill>
+                </a:uFill>
+                <a:latin typeface="Century Gothic"/>
+              </a:rPr>
+              <a:t>Ainsi</a:t>
+            </a:r>
+            <a:r>
+              <a:rPr lang="en-US" sz="2200" b="0" strike="noStrike" spc="-1" dirty="0">
+                <a:solidFill>
+                  <a:srgbClr val="FFFFFF"/>
+                </a:solidFill>
+                <a:uFill>
+                  <a:solidFill>
+                    <a:srgbClr val="FFFFFF"/>
+                  </a:solidFill>
+                </a:uFill>
+                <a:latin typeface="Century Gothic"/>
+              </a:rPr>
+              <a:t> nous </a:t>
+            </a:r>
+            <a:r>
+              <a:rPr lang="en-US" sz="2200" b="0" strike="noStrike" spc="-1" dirty="0" err="1">
+                <a:solidFill>
+                  <a:srgbClr val="FFFFFF"/>
+                </a:solidFill>
+                <a:uFill>
+                  <a:solidFill>
+                    <a:srgbClr val="FFFFFF"/>
+                  </a:solidFill>
+                </a:uFill>
+                <a:latin typeface="Century Gothic"/>
+              </a:rPr>
+              <a:t>n'aurons</a:t>
+            </a:r>
+            <a:r>
+              <a:rPr lang="en-US" sz="2200" b="0" strike="noStrike" spc="-1" dirty="0">
+                <a:solidFill>
+                  <a:srgbClr val="FFFFFF"/>
+                </a:solidFill>
+                <a:uFill>
+                  <a:solidFill>
+                    <a:srgbClr val="FFFFFF"/>
+                  </a:solidFill>
+                </a:uFill>
+                <a:latin typeface="Century Gothic"/>
+              </a:rPr>
+              <a:t> pas à faire le </a:t>
+            </a:r>
+            <a:r>
+              <a:rPr lang="en-US" sz="2200" b="0" strike="noStrike" spc="-1" dirty="0" err="1">
+                <a:solidFill>
+                  <a:srgbClr val="FFFFFF"/>
+                </a:solidFill>
+                <a:uFill>
+                  <a:solidFill>
+                    <a:srgbClr val="FFFFFF"/>
+                  </a:solidFill>
+                </a:uFill>
+                <a:latin typeface="Century Gothic"/>
+              </a:rPr>
+              <a:t>split_test</a:t>
+            </a:r>
+            <a:r>
+              <a:rPr lang="en-US" sz="2200" b="0" strike="noStrike" spc="-1" dirty="0">
+                <a:solidFill>
+                  <a:srgbClr val="FFFFFF"/>
+                </a:solidFill>
+                <a:uFill>
+                  <a:solidFill>
+                    <a:srgbClr val="FFFFFF"/>
+                  </a:solidFill>
+                </a:uFill>
+                <a:latin typeface="Century Gothic"/>
+              </a:rPr>
+              <a:t> et nous </a:t>
+            </a:r>
+            <a:r>
+              <a:rPr lang="en-US" sz="2200" b="0" strike="noStrike" spc="-1" dirty="0" err="1">
+                <a:solidFill>
+                  <a:srgbClr val="FFFFFF"/>
+                </a:solidFill>
+                <a:uFill>
+                  <a:solidFill>
+                    <a:srgbClr val="FFFFFF"/>
+                  </a:solidFill>
+                </a:uFill>
+                <a:latin typeface="Century Gothic"/>
+              </a:rPr>
+              <a:t>rajoutons</a:t>
+            </a:r>
+            <a:r>
+              <a:rPr lang="en-US" sz="2200" b="0" strike="noStrike" spc="-1" dirty="0">
+                <a:solidFill>
+                  <a:srgbClr val="FFFFFF"/>
+                </a:solidFill>
+                <a:uFill>
+                  <a:solidFill>
+                    <a:srgbClr val="FFFFFF"/>
+                  </a:solidFill>
+                </a:uFill>
+                <a:latin typeface="Century Gothic"/>
+              </a:rPr>
+              <a:t> la </a:t>
+            </a:r>
+            <a:r>
+              <a:rPr lang="en-US" sz="2200" b="0" strike="noStrike" spc="-1" dirty="0" err="1">
+                <a:solidFill>
+                  <a:srgbClr val="FFFFFF"/>
+                </a:solidFill>
+                <a:uFill>
+                  <a:solidFill>
+                    <a:srgbClr val="FFFFFF"/>
+                  </a:solidFill>
+                </a:uFill>
+                <a:latin typeface="Century Gothic"/>
+              </a:rPr>
+              <a:t>colonne</a:t>
+            </a:r>
+            <a:r>
+              <a:rPr lang="en-US" sz="2200" b="0" strike="noStrike" spc="-1" dirty="0">
+                <a:solidFill>
+                  <a:srgbClr val="FFFFFF"/>
+                </a:solidFill>
+                <a:uFill>
+                  <a:solidFill>
+                    <a:srgbClr val="FFFFFF"/>
+                  </a:solidFill>
+                </a:uFill>
+                <a:latin typeface="Century Gothic"/>
+              </a:rPr>
+              <a:t> results aux deux </a:t>
+            </a:r>
+            <a:r>
+              <a:rPr lang="en-US" sz="2200" b="0" strike="noStrike" spc="-1" dirty="0" err="1">
+                <a:solidFill>
+                  <a:srgbClr val="FFFFFF"/>
+                </a:solidFill>
+                <a:uFill>
+                  <a:solidFill>
+                    <a:srgbClr val="FFFFFF"/>
+                  </a:solidFill>
+                </a:uFill>
+                <a:latin typeface="Century Gothic"/>
+              </a:rPr>
+              <a:t>dataFrame</a:t>
+            </a:r>
+            <a:endParaRPr lang="en-US" sz="2200" b="0" strike="noStrike" spc="-1" dirty="0">
+              <a:solidFill>
+                <a:srgbClr val="FFFFFF"/>
+              </a:solidFill>
+              <a:uFill>
+                <a:solidFill>
+                  <a:srgbClr val="FFFFFF"/>
+                </a:solidFill>
+              </a:uFill>
+              <a:latin typeface="Century Gothic"/>
+            </a:endParaRPr>
           </a:p>
           <a:p>
             <a:pPr>
@@ -17182,7 +20376,7 @@
                 <a:spcPct val="100000"/>
               </a:lnSpc>
             </a:pPr>
-            <a:endParaRPr lang="en-US" sz="2200" b="0" strike="noStrike" spc="-1">
+            <a:endParaRPr lang="en-US" sz="2200" b="0" strike="noStrike" spc="-1" dirty="0">
               <a:solidFill>
                 <a:srgbClr val="FFFFFF"/>
               </a:solidFill>
@@ -17206,18 +20400,60 @@
               <a:buChar char="•"/>
             </a:pPr>
             <a:r>
-              <a:rPr lang="en-US" sz="2200" b="0" strike="noStrike" spc="-1">
-                <a:solidFill>
-                  <a:srgbClr val="FFFFFF"/>
-                </a:solidFill>
-                <a:uFill>
-                  <a:solidFill>
-                    <a:srgbClr val="FFFFFF"/>
-                  </a:solidFill>
-                </a:uFill>
-                <a:latin typeface="Century Gothic"/>
-              </a:rPr>
-              <a:t>Complexité de visualisation:</a:t>
+              <a:rPr lang="en-US" sz="2200" b="0" strike="noStrike" spc="-1" dirty="0" err="1">
+                <a:solidFill>
+                  <a:srgbClr val="FFFFFF"/>
+                </a:solidFill>
+                <a:uFill>
+                  <a:solidFill>
+                    <a:srgbClr val="FFFFFF"/>
+                  </a:solidFill>
+                </a:uFill>
+                <a:latin typeface="Century Gothic"/>
+              </a:rPr>
+              <a:t>Complexité</a:t>
+            </a:r>
+            <a:r>
+              <a:rPr lang="en-US" sz="2200" b="0" strike="noStrike" spc="-1" dirty="0">
+                <a:solidFill>
+                  <a:srgbClr val="FFFFFF"/>
+                </a:solidFill>
+                <a:uFill>
+                  <a:solidFill>
+                    <a:srgbClr val="FFFFFF"/>
+                  </a:solidFill>
+                </a:uFill>
+                <a:latin typeface="Century Gothic"/>
+              </a:rPr>
+              <a:t> de </a:t>
+            </a:r>
+            <a:r>
+              <a:rPr lang="en-US" sz="2200" b="0" strike="noStrike" spc="-1" dirty="0" err="1">
+                <a:solidFill>
+                  <a:srgbClr val="FFFFFF"/>
+                </a:solidFill>
+                <a:uFill>
+                  <a:solidFill>
+                    <a:srgbClr val="FFFFFF"/>
+                  </a:solidFill>
+                </a:uFill>
+                <a:latin typeface="Century Gothic"/>
+              </a:rPr>
+              <a:t>visualisation</a:t>
+            </a:r>
+            <a:r>
+              <a:rPr lang="en-US" sz="2200" b="0" strike="noStrike" spc="-1" dirty="0">
+                <a:solidFill>
+                  <a:srgbClr val="FFFFFF"/>
+                </a:solidFill>
+                <a:uFill>
+                  <a:solidFill>
+                    <a:srgbClr val="FFFFFF"/>
+                  </a:solidFill>
+                </a:uFill>
+                <a:latin typeface="Century Gothic"/>
+              </a:rPr>
+              <a:t>:</a:t>
             </a:r>
           </a:p>
           <a:p>
@@ -17227,18 +20463,564 @@
               </a:lnSpc>
             </a:pPr>
             <a:r>
-              <a:rPr lang="en-US" sz="2200" b="0" strike="noStrike" spc="-1">
-                <a:solidFill>
-                  <a:srgbClr val="FFFFFF"/>
-                </a:solidFill>
-                <a:uFill>
-                  <a:solidFill>
-                    <a:srgbClr val="FFFFFF"/>
-                  </a:solidFill>
-                </a:uFill>
-                <a:latin typeface="Century Gothic"/>
-              </a:rPr>
-              <a:t>il est dure de montrer une vrai corrélation entre les données que l'on a . En effet, nous avons 51 colonnes dont nous ne connaissons pas réellement la définition. Nous allons donc principalement faire des comparaisons entre le training set et le test set.</a:t>
+              <a:rPr lang="en-US" sz="2200" b="0" strike="noStrike" spc="-1" dirty="0" err="1">
+                <a:solidFill>
+                  <a:srgbClr val="FFFFFF"/>
+                </a:solidFill>
+                <a:uFill>
+                  <a:solidFill>
+                    <a:srgbClr val="FFFFFF"/>
+                  </a:solidFill>
+                </a:uFill>
+                <a:latin typeface="Century Gothic"/>
+              </a:rPr>
+              <a:t>il</a:t>
+            </a:r>
+            <a:r>
+              <a:rPr lang="en-US" sz="2200" b="0" strike="noStrike" spc="-1" dirty="0">
+                <a:solidFill>
+                  <a:srgbClr val="FFFFFF"/>
+                </a:solidFill>
+                <a:uFill>
+                  <a:solidFill>
+                    <a:srgbClr val="FFFFFF"/>
+                  </a:solidFill>
+                </a:uFill>
+                <a:latin typeface="Century Gothic"/>
+              </a:rPr>
+              <a:t> </a:t>
+            </a:r>
+            <a:r>
+              <a:rPr lang="en-US" sz="2200" b="0" strike="noStrike" spc="-1" dirty="0" err="1">
+                <a:solidFill>
+                  <a:srgbClr val="FFFFFF"/>
+                </a:solidFill>
+                <a:uFill>
+                  <a:solidFill>
+                    <a:srgbClr val="FFFFFF"/>
+                  </a:solidFill>
+                </a:uFill>
+                <a:latin typeface="Century Gothic"/>
+              </a:rPr>
+              <a:t>est</a:t>
+            </a:r>
+            <a:r>
+              <a:rPr lang="en-US" sz="2200" b="0" strike="noStrike" spc="-1" dirty="0">
+                <a:solidFill>
+                  <a:srgbClr val="FFFFFF"/>
+                </a:solidFill>
+                <a:uFill>
+                  <a:solidFill>
+                    <a:srgbClr val="FFFFFF"/>
+                  </a:solidFill>
+                </a:uFill>
+                <a:latin typeface="Century Gothic"/>
+              </a:rPr>
+              <a:t> dur de </a:t>
+            </a:r>
+            <a:r>
+              <a:rPr lang="en-US" sz="2200" b="0" strike="noStrike" spc="-1" dirty="0" err="1">
+                <a:solidFill>
+                  <a:srgbClr val="FFFFFF"/>
+                </a:solidFill>
+                <a:uFill>
+                  <a:solidFill>
+                    <a:srgbClr val="FFFFFF"/>
+                  </a:solidFill>
+                </a:uFill>
+                <a:latin typeface="Century Gothic"/>
+              </a:rPr>
+              <a:t>montrer</a:t>
+            </a:r>
+            <a:r>
+              <a:rPr lang="en-US" sz="2200" b="0" strike="noStrike" spc="-1" dirty="0">
+                <a:solidFill>
+                  <a:srgbClr val="FFFFFF"/>
+                </a:solidFill>
+                <a:uFill>
+                  <a:solidFill>
+                    <a:srgbClr val="FFFFFF"/>
+                  </a:solidFill>
+                </a:uFill>
+                <a:latin typeface="Century Gothic"/>
+              </a:rPr>
+              <a:t> </a:t>
+            </a:r>
+            <a:r>
+              <a:rPr lang="en-US" sz="2200" b="0" strike="noStrike" spc="-1" dirty="0" err="1">
+                <a:solidFill>
+                  <a:srgbClr val="FFFFFF"/>
+                </a:solidFill>
+                <a:uFill>
+                  <a:solidFill>
+                    <a:srgbClr val="FFFFFF"/>
+                  </a:solidFill>
+                </a:uFill>
+                <a:latin typeface="Century Gothic"/>
+              </a:rPr>
+              <a:t>une</a:t>
+            </a:r>
+            <a:r>
+              <a:rPr lang="en-US" sz="2200" b="0" strike="noStrike" spc="-1" dirty="0">
+                <a:solidFill>
+                  <a:srgbClr val="FFFFFF"/>
+                </a:solidFill>
+                <a:uFill>
+                  <a:solidFill>
+                    <a:srgbClr val="FFFFFF"/>
+                  </a:solidFill>
+                </a:uFill>
+                <a:latin typeface="Century Gothic"/>
+              </a:rPr>
+              <a:t> </a:t>
+            </a:r>
+            <a:r>
+              <a:rPr lang="en-US" sz="2200" b="0" strike="noStrike" spc="-1" dirty="0" err="1">
+                <a:solidFill>
+                  <a:srgbClr val="FFFFFF"/>
+                </a:solidFill>
+                <a:uFill>
+                  <a:solidFill>
+                    <a:srgbClr val="FFFFFF"/>
+                  </a:solidFill>
+                </a:uFill>
+                <a:latin typeface="Century Gothic"/>
+              </a:rPr>
+              <a:t>vraie</a:t>
+            </a:r>
+            <a:r>
+              <a:rPr lang="en-US" sz="2200" b="0" strike="noStrike" spc="-1" dirty="0">
+                <a:solidFill>
+                  <a:srgbClr val="FFFFFF"/>
+                </a:solidFill>
+                <a:uFill>
+                  <a:solidFill>
+                    <a:srgbClr val="FFFFFF"/>
+                  </a:solidFill>
+                </a:uFill>
+                <a:latin typeface="Century Gothic"/>
+              </a:rPr>
+              <a:t> </a:t>
+            </a:r>
+            <a:r>
+              <a:rPr lang="en-US" sz="2200" b="0" strike="noStrike" spc="-1" dirty="0" err="1">
+                <a:solidFill>
+                  <a:srgbClr val="FFFFFF"/>
+                </a:solidFill>
+                <a:uFill>
+                  <a:solidFill>
+                    <a:srgbClr val="FFFFFF"/>
+                  </a:solidFill>
+                </a:uFill>
+                <a:latin typeface="Century Gothic"/>
+              </a:rPr>
+              <a:t>corrélation</a:t>
+            </a:r>
+            <a:r>
+              <a:rPr lang="en-US" sz="2200" b="0" strike="noStrike" spc="-1" dirty="0">
+                <a:solidFill>
+                  <a:srgbClr val="FFFFFF"/>
+                </a:solidFill>
+                <a:uFill>
+                  <a:solidFill>
+                    <a:srgbClr val="FFFFFF"/>
+                  </a:solidFill>
+                </a:uFill>
+                <a:latin typeface="Century Gothic"/>
+              </a:rPr>
+              <a:t> entre les </a:t>
+            </a:r>
+            <a:r>
+              <a:rPr lang="en-US" sz="2200" b="0" strike="noStrike" spc="-1" dirty="0" err="1">
+                <a:solidFill>
+                  <a:srgbClr val="FFFFFF"/>
+                </a:solidFill>
+                <a:uFill>
+                  <a:solidFill>
+                    <a:srgbClr val="FFFFFF"/>
+                  </a:solidFill>
+                </a:uFill>
+                <a:latin typeface="Century Gothic"/>
+              </a:rPr>
+              <a:t>données</a:t>
+            </a:r>
+            <a:r>
+              <a:rPr lang="en-US" sz="2200" b="0" strike="noStrike" spc="-1" dirty="0">
+                <a:solidFill>
+                  <a:srgbClr val="FFFFFF"/>
+                </a:solidFill>
+                <a:uFill>
+                  <a:solidFill>
+                    <a:srgbClr val="FFFFFF"/>
+                  </a:solidFill>
+                </a:uFill>
+                <a:latin typeface="Century Gothic"/>
+              </a:rPr>
+              <a:t> que </a:t>
+            </a:r>
+            <a:r>
+              <a:rPr lang="en-US" sz="2200" b="0" strike="noStrike" spc="-1" dirty="0" err="1">
+                <a:solidFill>
+                  <a:srgbClr val="FFFFFF"/>
+                </a:solidFill>
+                <a:uFill>
+                  <a:solidFill>
+                    <a:srgbClr val="FFFFFF"/>
+                  </a:solidFill>
+                </a:uFill>
+                <a:latin typeface="Century Gothic"/>
+              </a:rPr>
+              <a:t>l'on</a:t>
+            </a:r>
+            <a:r>
+              <a:rPr lang="en-US" sz="2200" b="0" strike="noStrike" spc="-1" dirty="0">
+                <a:solidFill>
+                  <a:srgbClr val="FFFFFF"/>
+                </a:solidFill>
+                <a:uFill>
+                  <a:solidFill>
+                    <a:srgbClr val="FFFFFF"/>
+                  </a:solidFill>
+                </a:uFill>
+                <a:latin typeface="Century Gothic"/>
+              </a:rPr>
+              <a:t> a . </a:t>
+            </a:r>
+            <a:r>
+              <a:rPr lang="en-US" sz="2200" b="0" strike="noStrike" spc="-1" dirty="0" err="1">
+                <a:solidFill>
+                  <a:srgbClr val="FFFFFF"/>
+                </a:solidFill>
+                <a:uFill>
+                  <a:solidFill>
+                    <a:srgbClr val="FFFFFF"/>
+                  </a:solidFill>
+                </a:uFill>
+                <a:latin typeface="Century Gothic"/>
+              </a:rPr>
+              <a:t>En</a:t>
+            </a:r>
+            <a:r>
+              <a:rPr lang="en-US" sz="2200" b="0" strike="noStrike" spc="-1" dirty="0">
+                <a:solidFill>
+                  <a:srgbClr val="FFFFFF"/>
+                </a:solidFill>
+                <a:uFill>
+                  <a:solidFill>
+                    <a:srgbClr val="FFFFFF"/>
+                  </a:solidFill>
+                </a:uFill>
+                <a:latin typeface="Century Gothic"/>
+              </a:rPr>
+              <a:t> </a:t>
+            </a:r>
+            <a:r>
+              <a:rPr lang="en-US" sz="2200" b="0" strike="noStrike" spc="-1" dirty="0" err="1">
+                <a:solidFill>
+                  <a:srgbClr val="FFFFFF"/>
+                </a:solidFill>
+                <a:uFill>
+                  <a:solidFill>
+                    <a:srgbClr val="FFFFFF"/>
+                  </a:solidFill>
+                </a:uFill>
+                <a:latin typeface="Century Gothic"/>
+              </a:rPr>
+              <a:t>effet</a:t>
+            </a:r>
+            <a:r>
+              <a:rPr lang="en-US" sz="2200" b="0" strike="noStrike" spc="-1" dirty="0">
+                <a:solidFill>
+                  <a:srgbClr val="FFFFFF"/>
+                </a:solidFill>
+                <a:uFill>
+                  <a:solidFill>
+                    <a:srgbClr val="FFFFFF"/>
+                  </a:solidFill>
+                </a:uFill>
+                <a:latin typeface="Century Gothic"/>
+              </a:rPr>
+              <a:t>, nous </a:t>
+            </a:r>
+            <a:r>
+              <a:rPr lang="en-US" sz="2200" b="0" strike="noStrike" spc="-1" dirty="0" err="1">
+                <a:solidFill>
+                  <a:srgbClr val="FFFFFF"/>
+                </a:solidFill>
+                <a:uFill>
+                  <a:solidFill>
+                    <a:srgbClr val="FFFFFF"/>
+                  </a:solidFill>
+                </a:uFill>
+                <a:latin typeface="Century Gothic"/>
+              </a:rPr>
+              <a:t>avons</a:t>
+            </a:r>
+            <a:r>
+              <a:rPr lang="en-US" sz="2200" b="0" strike="noStrike" spc="-1" dirty="0">
+                <a:solidFill>
+                  <a:srgbClr val="FFFFFF"/>
+                </a:solidFill>
+                <a:uFill>
+                  <a:solidFill>
+                    <a:srgbClr val="FFFFFF"/>
+                  </a:solidFill>
+                </a:uFill>
+                <a:latin typeface="Century Gothic"/>
+              </a:rPr>
+              <a:t> 51 </a:t>
+            </a:r>
+            <a:r>
+              <a:rPr lang="en-US" sz="2200" b="0" strike="noStrike" spc="-1" dirty="0" err="1">
+                <a:solidFill>
+                  <a:srgbClr val="FFFFFF"/>
+                </a:solidFill>
+                <a:uFill>
+                  <a:solidFill>
+                    <a:srgbClr val="FFFFFF"/>
+                  </a:solidFill>
+                </a:uFill>
+                <a:latin typeface="Century Gothic"/>
+              </a:rPr>
+              <a:t>colonnes</a:t>
+            </a:r>
+            <a:r>
+              <a:rPr lang="en-US" sz="2200" b="0" strike="noStrike" spc="-1" dirty="0">
+                <a:solidFill>
+                  <a:srgbClr val="FFFFFF"/>
+                </a:solidFill>
+                <a:uFill>
+                  <a:solidFill>
+                    <a:srgbClr val="FFFFFF"/>
+                  </a:solidFill>
+                </a:uFill>
+                <a:latin typeface="Century Gothic"/>
+              </a:rPr>
+              <a:t> </a:t>
+            </a:r>
+            <a:r>
+              <a:rPr lang="en-US" sz="2200" b="0" strike="noStrike" spc="-1" dirty="0" err="1">
+                <a:solidFill>
+                  <a:srgbClr val="FFFFFF"/>
+                </a:solidFill>
+                <a:uFill>
+                  <a:solidFill>
+                    <a:srgbClr val="FFFFFF"/>
+                  </a:solidFill>
+                </a:uFill>
+                <a:latin typeface="Century Gothic"/>
+              </a:rPr>
+              <a:t>dont</a:t>
+            </a:r>
+            <a:r>
+              <a:rPr lang="en-US" sz="2200" b="0" strike="noStrike" spc="-1" dirty="0">
+                <a:solidFill>
+                  <a:srgbClr val="FFFFFF"/>
+                </a:solidFill>
+                <a:uFill>
+                  <a:solidFill>
+                    <a:srgbClr val="FFFFFF"/>
+                  </a:solidFill>
+                </a:uFill>
+                <a:latin typeface="Century Gothic"/>
+              </a:rPr>
+              <a:t> nous ne </a:t>
+            </a:r>
+            <a:r>
+              <a:rPr lang="en-US" sz="2200" b="0" strike="noStrike" spc="-1" dirty="0" err="1">
+                <a:solidFill>
+                  <a:srgbClr val="FFFFFF"/>
+                </a:solidFill>
+                <a:uFill>
+                  <a:solidFill>
+                    <a:srgbClr val="FFFFFF"/>
+                  </a:solidFill>
+                </a:uFill>
+                <a:latin typeface="Century Gothic"/>
+              </a:rPr>
+              <a:t>connaissons</a:t>
+            </a:r>
+            <a:r>
+              <a:rPr lang="en-US" sz="2200" b="0" strike="noStrike" spc="-1" dirty="0">
+                <a:solidFill>
+                  <a:srgbClr val="FFFFFF"/>
+                </a:solidFill>
+                <a:uFill>
+                  <a:solidFill>
+                    <a:srgbClr val="FFFFFF"/>
+                  </a:solidFill>
+                </a:uFill>
+                <a:latin typeface="Century Gothic"/>
+              </a:rPr>
+              <a:t> pas </a:t>
+            </a:r>
+            <a:r>
+              <a:rPr lang="en-US" sz="2200" b="0" strike="noStrike" spc="-1" dirty="0" err="1">
+                <a:solidFill>
+                  <a:srgbClr val="FFFFFF"/>
+                </a:solidFill>
+                <a:uFill>
+                  <a:solidFill>
+                    <a:srgbClr val="FFFFFF"/>
+                  </a:solidFill>
+                </a:uFill>
+                <a:latin typeface="Century Gothic"/>
+              </a:rPr>
+              <a:t>réellement</a:t>
+            </a:r>
+            <a:r>
+              <a:rPr lang="en-US" sz="2200" b="0" strike="noStrike" spc="-1" dirty="0">
+                <a:solidFill>
+                  <a:srgbClr val="FFFFFF"/>
+                </a:solidFill>
+                <a:uFill>
+                  <a:solidFill>
+                    <a:srgbClr val="FFFFFF"/>
+                  </a:solidFill>
+                </a:uFill>
+                <a:latin typeface="Century Gothic"/>
+              </a:rPr>
+              <a:t> la </a:t>
+            </a:r>
+            <a:r>
+              <a:rPr lang="en-US" sz="2200" b="0" strike="noStrike" spc="-1" dirty="0" err="1">
+                <a:solidFill>
+                  <a:srgbClr val="FFFFFF"/>
+                </a:solidFill>
+                <a:uFill>
+                  <a:solidFill>
+                    <a:srgbClr val="FFFFFF"/>
+                  </a:solidFill>
+                </a:uFill>
+                <a:latin typeface="Century Gothic"/>
+              </a:rPr>
+              <a:t>définition</a:t>
+            </a:r>
+            <a:r>
+              <a:rPr lang="en-US" sz="2200" b="0" strike="noStrike" spc="-1" dirty="0">
+                <a:solidFill>
+                  <a:srgbClr val="FFFFFF"/>
+                </a:solidFill>
+                <a:uFill>
+                  <a:solidFill>
+                    <a:srgbClr val="FFFFFF"/>
+                  </a:solidFill>
+                </a:uFill>
+                <a:latin typeface="Century Gothic"/>
+              </a:rPr>
+              <a:t>. Nous </a:t>
+            </a:r>
+            <a:r>
+              <a:rPr lang="en-US" sz="2200" b="0" strike="noStrike" spc="-1" dirty="0" err="1">
+                <a:solidFill>
+                  <a:srgbClr val="FFFFFF"/>
+                </a:solidFill>
+                <a:uFill>
+                  <a:solidFill>
+                    <a:srgbClr val="FFFFFF"/>
+                  </a:solidFill>
+                </a:uFill>
+                <a:latin typeface="Century Gothic"/>
+              </a:rPr>
+              <a:t>allons</a:t>
+            </a:r>
+            <a:r>
+              <a:rPr lang="en-US" sz="2200" b="0" strike="noStrike" spc="-1" dirty="0">
+                <a:solidFill>
+                  <a:srgbClr val="FFFFFF"/>
+                </a:solidFill>
+                <a:uFill>
+                  <a:solidFill>
+                    <a:srgbClr val="FFFFFF"/>
+                  </a:solidFill>
+                </a:uFill>
+                <a:latin typeface="Century Gothic"/>
+              </a:rPr>
+              <a:t> </a:t>
+            </a:r>
+            <a:r>
+              <a:rPr lang="en-US" sz="2200" b="0" strike="noStrike" spc="-1" dirty="0" err="1">
+                <a:solidFill>
+                  <a:srgbClr val="FFFFFF"/>
+                </a:solidFill>
+                <a:uFill>
+                  <a:solidFill>
+                    <a:srgbClr val="FFFFFF"/>
+                  </a:solidFill>
+                </a:uFill>
+                <a:latin typeface="Century Gothic"/>
+              </a:rPr>
+              <a:t>donc</a:t>
+            </a:r>
+            <a:r>
+              <a:rPr lang="en-US" sz="2200" b="0" strike="noStrike" spc="-1" dirty="0">
+                <a:solidFill>
+                  <a:srgbClr val="FFFFFF"/>
+                </a:solidFill>
+                <a:uFill>
+                  <a:solidFill>
+                    <a:srgbClr val="FFFFFF"/>
+                  </a:solidFill>
+                </a:uFill>
+                <a:latin typeface="Century Gothic"/>
+              </a:rPr>
+              <a:t> </a:t>
+            </a:r>
+            <a:r>
+              <a:rPr lang="en-US" sz="2200" b="0" strike="noStrike" spc="-1" dirty="0" err="1">
+                <a:solidFill>
+                  <a:srgbClr val="FFFFFF"/>
+                </a:solidFill>
+                <a:uFill>
+                  <a:solidFill>
+                    <a:srgbClr val="FFFFFF"/>
+                  </a:solidFill>
+                </a:uFill>
+                <a:latin typeface="Century Gothic"/>
+              </a:rPr>
+              <a:t>principalement</a:t>
+            </a:r>
+            <a:r>
+              <a:rPr lang="en-US" sz="2200" b="0" strike="noStrike" spc="-1" dirty="0">
+                <a:solidFill>
+                  <a:srgbClr val="FFFFFF"/>
+                </a:solidFill>
+                <a:uFill>
+                  <a:solidFill>
+                    <a:srgbClr val="FFFFFF"/>
+                  </a:solidFill>
+                </a:uFill>
+                <a:latin typeface="Century Gothic"/>
+              </a:rPr>
+              <a:t> faire des </a:t>
+            </a:r>
+            <a:r>
+              <a:rPr lang="en-US" sz="2200" b="0" strike="noStrike" spc="-1" dirty="0" err="1">
+                <a:solidFill>
+                  <a:srgbClr val="FFFFFF"/>
+                </a:solidFill>
+                <a:uFill>
+                  <a:solidFill>
+                    <a:srgbClr val="FFFFFF"/>
+                  </a:solidFill>
+                </a:uFill>
+                <a:latin typeface="Century Gothic"/>
+              </a:rPr>
+              <a:t>comparaisons</a:t>
+            </a:r>
+            <a:r>
+              <a:rPr lang="en-US" sz="2200" b="0" strike="noStrike" spc="-1" dirty="0">
+                <a:solidFill>
+                  <a:srgbClr val="FFFFFF"/>
+                </a:solidFill>
+                <a:uFill>
+                  <a:solidFill>
+                    <a:srgbClr val="FFFFFF"/>
+                  </a:solidFill>
+                </a:uFill>
+                <a:latin typeface="Century Gothic"/>
+              </a:rPr>
+              <a:t> entre le training set et le test set.</a:t>
             </a:r>
           </a:p>
         </p:txBody>

--- a/Python.pptx
+++ b/Python.pptx
@@ -15728,6 +15728,84 @@
                 <a:latin typeface="Century Gothic"/>
               </a:rPr>
               <a:t>proving</a:t>
+            </a:r>
+            <a:endParaRPr lang="fr-FR" sz="2000" b="0" strike="noStrike" spc="-1" dirty="0">
+              <a:solidFill>
+                <a:srgbClr val="FFFFFF"/>
+              </a:solidFill>
+              <a:uFill>
+                <a:solidFill>
+                  <a:srgbClr val="FFFFFF"/>
+                </a:solidFill>
+              </a:uFill>
+              <a:latin typeface="Century Gothic"/>
+            </a:endParaRPr>
+          </a:p>
+          <a:p>
+            <a:pPr algn="ctr">
+              <a:lnSpc>
+                <a:spcPct val="100000"/>
+              </a:lnSpc>
+            </a:pPr>
+            <a:endParaRPr lang="fr-FR" sz="2000" spc="-1" dirty="0">
+              <a:solidFill>
+                <a:srgbClr val="FFFFFF"/>
+              </a:solidFill>
+              <a:uFill>
+                <a:solidFill>
+                  <a:srgbClr val="FFFFFF"/>
+                </a:solidFill>
+              </a:uFill>
+              <a:latin typeface="Century Gothic"/>
+            </a:endParaRPr>
+          </a:p>
+          <a:p>
+            <a:pPr algn="ctr">
+              <a:lnSpc>
+                <a:spcPct val="100000"/>
+              </a:lnSpc>
+            </a:pPr>
+            <a:r>
+              <a:rPr lang="fr-FR" sz="2000" b="0" strike="noStrike" spc="-1" dirty="0">
+                <a:solidFill>
+                  <a:srgbClr val="FFFFFF"/>
+                </a:solidFill>
+                <a:uFill>
+                  <a:solidFill>
+                    <a:srgbClr val="FFFFFF"/>
+                  </a:solidFill>
+                </a:uFill>
+                <a:latin typeface="Century Gothic"/>
+              </a:rPr>
+              <a:t>Lien </a:t>
+            </a:r>
+            <a:r>
+              <a:rPr lang="fr-FR" sz="2000" b="0" strike="noStrike" spc="-1" dirty="0" err="1">
+                <a:solidFill>
+                  <a:srgbClr val="FFFFFF"/>
+                </a:solidFill>
+                <a:uFill>
+                  <a:solidFill>
+                    <a:srgbClr val="FFFFFF"/>
+                  </a:solidFill>
+                </a:uFill>
+                <a:latin typeface="Century Gothic"/>
+              </a:rPr>
+              <a:t>github</a:t>
+            </a:r>
+            <a:r>
+              <a:rPr lang="fr-FR" sz="2000" spc="-1" dirty="0">
+                <a:solidFill>
+                  <a:srgbClr val="FFFFFF"/>
+                </a:solidFill>
+                <a:uFill>
+                  <a:solidFill>
+                    <a:srgbClr val="FFFFFF"/>
+                  </a:solidFill>
+                </a:uFill>
+                <a:latin typeface="Century Gothic"/>
+              </a:rPr>
+              <a:t> : https://github.com/Sh0ri/Python_For_Datascience_Homework</a:t>
             </a:r>
             <a:endParaRPr lang="fr-FR" sz="3200" b="0" strike="noStrike" spc="-1" dirty="0">
               <a:solidFill>
